--- a/doc/nvpsim_report/Presentation.pptx
+++ b/doc/nvpsim_report/Presentation.pptx
@@ -7,29 +7,35 @@
   <p:sldIdLst>
     <p:sldId id="266" r:id="rId2"/>
     <p:sldId id="270" r:id="rId3"/>
-    <p:sldId id="271" r:id="rId4"/>
-    <p:sldId id="277" r:id="rId5"/>
-    <p:sldId id="278" r:id="rId6"/>
-    <p:sldId id="272" r:id="rId7"/>
-    <p:sldId id="273" r:id="rId8"/>
-    <p:sldId id="274" r:id="rId9"/>
-    <p:sldId id="279" r:id="rId10"/>
-    <p:sldId id="280" r:id="rId11"/>
-    <p:sldId id="269" r:id="rId12"/>
-    <p:sldId id="256" r:id="rId13"/>
-    <p:sldId id="257" r:id="rId14"/>
-    <p:sldId id="258" r:id="rId15"/>
-    <p:sldId id="259" r:id="rId16"/>
-    <p:sldId id="262" r:id="rId17"/>
-    <p:sldId id="260" r:id="rId18"/>
-    <p:sldId id="261" r:id="rId19"/>
-    <p:sldId id="263" r:id="rId20"/>
-    <p:sldId id="264" r:id="rId21"/>
-    <p:sldId id="265" r:id="rId22"/>
-    <p:sldId id="267" r:id="rId23"/>
-    <p:sldId id="268" r:id="rId24"/>
-    <p:sldId id="275" r:id="rId25"/>
-    <p:sldId id="276" r:id="rId26"/>
+    <p:sldId id="283" r:id="rId4"/>
+    <p:sldId id="284" r:id="rId5"/>
+    <p:sldId id="285" r:id="rId6"/>
+    <p:sldId id="287" r:id="rId7"/>
+    <p:sldId id="288" r:id="rId8"/>
+    <p:sldId id="289" r:id="rId9"/>
+    <p:sldId id="290" r:id="rId10"/>
+    <p:sldId id="291" r:id="rId11"/>
+    <p:sldId id="292" r:id="rId12"/>
+    <p:sldId id="293" r:id="rId13"/>
+    <p:sldId id="294" r:id="rId14"/>
+    <p:sldId id="280" r:id="rId15"/>
+    <p:sldId id="269" r:id="rId16"/>
+    <p:sldId id="256" r:id="rId17"/>
+    <p:sldId id="257" r:id="rId18"/>
+    <p:sldId id="258" r:id="rId19"/>
+    <p:sldId id="259" r:id="rId20"/>
+    <p:sldId id="262" r:id="rId21"/>
+    <p:sldId id="260" r:id="rId22"/>
+    <p:sldId id="261" r:id="rId23"/>
+    <p:sldId id="263" r:id="rId24"/>
+    <p:sldId id="264" r:id="rId25"/>
+    <p:sldId id="265" r:id="rId26"/>
+    <p:sldId id="267" r:id="rId27"/>
+    <p:sldId id="268" r:id="rId28"/>
+    <p:sldId id="281" r:id="rId29"/>
+    <p:sldId id="282" r:id="rId30"/>
+    <p:sldId id="275" r:id="rId31"/>
+    <p:sldId id="276" r:id="rId32"/>
   </p:sldIdLst>
   <p:sldSz cx="12192000" cy="6858000"/>
   <p:notesSz cx="6858000" cy="9144000"/>
@@ -4395,8 +4401,16 @@
 </file>
 
 <file path=ppt/slides/slide1.xml><?xml version="1.0" encoding="utf-8"?>
-<p:sld xmlns:a="http://schemas.openxmlformats.org/drawingml/2006/main" xmlns:r="http://schemas.openxmlformats.org/officeDocument/2006/relationships" xmlns:p="http://schemas.openxmlformats.org/presentationml/2006/main">
+<p:sld xmlns:a="http://schemas.openxmlformats.org/drawingml/2006/main" xmlns:r="http://schemas.openxmlformats.org/officeDocument/2006/relationships" xmlns:p="http://schemas.openxmlformats.org/presentationml/2006/main" showMasterSp="0">
   <p:cSld>
+    <p:bg>
+      <p:bgPr>
+        <a:solidFill>
+          <a:schemeClr val="bg1"/>
+        </a:solidFill>
+        <a:effectLst/>
+      </p:bgPr>
+    </p:bg>
     <p:spTree>
       <p:nvGrpSpPr>
         <p:cNvPr id="1" name=""/>
@@ -4882,8 +4896,1109 @@
 </file>
 
 <file path=ppt/slides/slide10.xml><?xml version="1.0" encoding="utf-8"?>
-<p:sld xmlns:a="http://schemas.openxmlformats.org/drawingml/2006/main" xmlns:r="http://schemas.openxmlformats.org/officeDocument/2006/relationships" xmlns:p="http://schemas.openxmlformats.org/presentationml/2006/main">
+<p:sld xmlns:a="http://schemas.openxmlformats.org/drawingml/2006/main" xmlns:r="http://schemas.openxmlformats.org/officeDocument/2006/relationships" xmlns:p="http://schemas.openxmlformats.org/presentationml/2006/main" showMasterSp="0">
   <p:cSld>
+    <p:bg>
+      <p:bgPr>
+        <a:solidFill>
+          <a:schemeClr val="bg1"/>
+        </a:solidFill>
+        <a:effectLst/>
+      </p:bgPr>
+    </p:bg>
+    <p:spTree>
+      <p:nvGrpSpPr>
+        <p:cNvPr id="1" name=""/>
+        <p:cNvGrpSpPr/>
+        <p:nvPr/>
+      </p:nvGrpSpPr>
+      <p:grpSpPr>
+        <a:xfrm>
+          <a:off x="0" y="0"/>
+          <a:ext cx="0" cy="0"/>
+          <a:chOff x="0" y="0"/>
+          <a:chExt cx="0" cy="0"/>
+        </a:xfrm>
+      </p:grpSpPr>
+      <p:sp>
+        <p:nvSpPr>
+          <p:cNvPr id="3" name="Title 2">
+            <a:extLst>
+              <a:ext uri="{FF2B5EF4-FFF2-40B4-BE49-F238E27FC236}">
+                <a16:creationId xmlns:a16="http://schemas.microsoft.com/office/drawing/2014/main" id="{B9587B62-18C6-4A1D-A39F-0B74DE5ADB76}"/>
+              </a:ext>
+            </a:extLst>
+          </p:cNvPr>
+          <p:cNvSpPr>
+            <a:spLocks noGrp="1"/>
+          </p:cNvSpPr>
+          <p:nvPr>
+            <p:ph type="title"/>
+          </p:nvPr>
+        </p:nvSpPr>
+        <p:spPr>
+          <a:xfrm>
+            <a:off x="7780943" y="471054"/>
+            <a:ext cx="2853005" cy="173203"/>
+          </a:xfrm>
+        </p:spPr>
+        <p:txBody>
+          <a:bodyPr vert="horz" lIns="91440" tIns="45720" rIns="91440" bIns="45720" rtlCol="0" anchor="b">
+            <a:noAutofit/>
+          </a:bodyPr>
+          <a:lstStyle/>
+          <a:p>
+            <a:pPr>
+              <a:lnSpc>
+                <a:spcPct val="85000"/>
+              </a:lnSpc>
+            </a:pPr>
+            <a:r>
+              <a:rPr lang="en-US" sz="3600" dirty="0" err="1"/>
+              <a:t>AtomicCPU</a:t>
+            </a:r>
+            <a:endParaRPr lang="en-US" sz="3600" dirty="0"/>
+          </a:p>
+        </p:txBody>
+      </p:sp>
+      <p:pic>
+        <p:nvPicPr>
+          <p:cNvPr id="5" name="Picture 4">
+            <a:extLst>
+              <a:ext uri="{FF2B5EF4-FFF2-40B4-BE49-F238E27FC236}">
+                <a16:creationId xmlns:a16="http://schemas.microsoft.com/office/drawing/2014/main" id="{66366A02-E763-47DD-9B8C-27DF9C739BA7}"/>
+              </a:ext>
+            </a:extLst>
+          </p:cNvPr>
+          <p:cNvPicPr>
+            <a:picLocks noChangeAspect="1"/>
+          </p:cNvPicPr>
+          <p:nvPr/>
+        </p:nvPicPr>
+        <p:blipFill rotWithShape="1">
+          <a:blip r:embed="rId2">
+            <a:extLst>
+              <a:ext uri="{28A0092B-C50C-407E-A947-70E740481C1C}">
+                <a14:useLocalDpi xmlns:a14="http://schemas.microsoft.com/office/drawing/2010/main" val="0"/>
+              </a:ext>
+            </a:extLst>
+          </a:blip>
+          <a:srcRect r="8781" b="53938"/>
+          <a:stretch/>
+        </p:blipFill>
+        <p:spPr>
+          <a:xfrm>
+            <a:off x="615638" y="471054"/>
+            <a:ext cx="5962715" cy="2724907"/>
+          </a:xfrm>
+          <a:prstGeom prst="rect">
+            <a:avLst/>
+          </a:prstGeom>
+        </p:spPr>
+      </p:pic>
+      <p:sp>
+        <p:nvSpPr>
+          <p:cNvPr id="6" name="TextBox 5">
+            <a:extLst>
+              <a:ext uri="{FF2B5EF4-FFF2-40B4-BE49-F238E27FC236}">
+                <a16:creationId xmlns:a16="http://schemas.microsoft.com/office/drawing/2014/main" id="{98F2CF44-C33B-4B98-9A21-3F75407B0D78}"/>
+              </a:ext>
+            </a:extLst>
+          </p:cNvPr>
+          <p:cNvSpPr txBox="1"/>
+          <p:nvPr/>
+        </p:nvSpPr>
+        <p:spPr>
+          <a:xfrm>
+            <a:off x="6729274" y="1082958"/>
+            <a:ext cx="5104660" cy="5262979"/>
+          </a:xfrm>
+          <a:prstGeom prst="rect">
+            <a:avLst/>
+          </a:prstGeom>
+          <a:noFill/>
+        </p:spPr>
+        <p:txBody>
+          <a:bodyPr wrap="square" rtlCol="0">
+            <a:spAutoFit/>
+          </a:bodyPr>
+          <a:lstStyle/>
+          <a:p>
+            <a:pPr marL="342900" indent="-342900">
+              <a:buFont typeface="Arial" panose="020B0604020202020204" pitchFamily="34" charset="0"/>
+              <a:buChar char="•"/>
+            </a:pPr>
+            <a:r>
+              <a:rPr lang="en-US" sz="2400" dirty="0" err="1"/>
+              <a:t>AtomicCPU</a:t>
+            </a:r>
+            <a:r>
+              <a:rPr lang="en-US" sz="2400" dirty="0"/>
+              <a:t> is the GEM5 </a:t>
+            </a:r>
+            <a:r>
+              <a:rPr lang="en-US" sz="2400" dirty="0" err="1"/>
+              <a:t>SimObject</a:t>
+            </a:r>
+            <a:r>
+              <a:rPr lang="en-US" sz="2400" dirty="0"/>
+              <a:t> which simulates ARM CPU</a:t>
+            </a:r>
+          </a:p>
+          <a:p>
+            <a:pPr marL="342900" indent="-342900">
+              <a:buFont typeface="Arial" panose="020B0604020202020204" pitchFamily="34" charset="0"/>
+              <a:buChar char="•"/>
+            </a:pPr>
+            <a:r>
+              <a:rPr lang="en-US" sz="2400" dirty="0" err="1"/>
+              <a:t>AtomicCPU</a:t>
+            </a:r>
+            <a:r>
+              <a:rPr lang="en-US" sz="2400" dirty="0"/>
+              <a:t> is configured to run a firmware which counts from 0 to 99</a:t>
+            </a:r>
+          </a:p>
+          <a:p>
+            <a:pPr marL="342900" indent="-342900">
+              <a:buFont typeface="Arial" panose="020B0604020202020204" pitchFamily="34" charset="0"/>
+              <a:buChar char="•"/>
+            </a:pPr>
+            <a:r>
+              <a:rPr lang="en-US" sz="2400" dirty="0"/>
+              <a:t>CPU consumes power in every tick</a:t>
+            </a:r>
+          </a:p>
+          <a:p>
+            <a:pPr marL="342900" indent="-342900">
+              <a:buFont typeface="Arial" panose="020B0604020202020204" pitchFamily="34" charset="0"/>
+              <a:buChar char="•"/>
+            </a:pPr>
+            <a:r>
+              <a:rPr lang="en-US" sz="2400" dirty="0" err="1"/>
+              <a:t>AtomicCPU</a:t>
+            </a:r>
+            <a:r>
+              <a:rPr lang="en-US" sz="2400" dirty="0"/>
+              <a:t> is an energy consumer</a:t>
+            </a:r>
+          </a:p>
+          <a:p>
+            <a:pPr marL="800100" lvl="1" indent="-342900">
+              <a:buFont typeface="Arial" panose="020B0604020202020204" pitchFamily="34" charset="0"/>
+              <a:buChar char="•"/>
+            </a:pPr>
+            <a:r>
+              <a:rPr lang="en-US" sz="2400" dirty="0"/>
+              <a:t>It sends consume message to Energy Manager</a:t>
+            </a:r>
+          </a:p>
+          <a:p>
+            <a:pPr marL="800100" lvl="1" indent="-342900">
+              <a:buFont typeface="Arial" panose="020B0604020202020204" pitchFamily="34" charset="0"/>
+              <a:buChar char="•"/>
+            </a:pPr>
+            <a:r>
+              <a:rPr lang="en-US" sz="2400" dirty="0"/>
+              <a:t>Power consumption value per tick is configurable</a:t>
+            </a:r>
+          </a:p>
+        </p:txBody>
+      </p:sp>
+    </p:spTree>
+    <p:extLst>
+      <p:ext uri="{BB962C8B-B14F-4D97-AF65-F5344CB8AC3E}">
+        <p14:creationId xmlns:p14="http://schemas.microsoft.com/office/powerpoint/2010/main" val="4267129309"/>
+      </p:ext>
+    </p:extLst>
+  </p:cSld>
+  <p:clrMapOvr>
+    <a:masterClrMapping/>
+  </p:clrMapOvr>
+</p:sld>
+</file>
+
+<file path=ppt/slides/slide11.xml><?xml version="1.0" encoding="utf-8"?>
+<p:sld xmlns:a="http://schemas.openxmlformats.org/drawingml/2006/main" xmlns:r="http://schemas.openxmlformats.org/officeDocument/2006/relationships" xmlns:p="http://schemas.openxmlformats.org/presentationml/2006/main" showMasterSp="0">
+  <p:cSld>
+    <p:bg>
+      <p:bgPr>
+        <a:solidFill>
+          <a:schemeClr val="bg1"/>
+        </a:solidFill>
+        <a:effectLst/>
+      </p:bgPr>
+    </p:bg>
+    <p:spTree>
+      <p:nvGrpSpPr>
+        <p:cNvPr id="1" name=""/>
+        <p:cNvGrpSpPr/>
+        <p:nvPr/>
+      </p:nvGrpSpPr>
+      <p:grpSpPr>
+        <a:xfrm>
+          <a:off x="0" y="0"/>
+          <a:ext cx="0" cy="0"/>
+          <a:chOff x="0" y="0"/>
+          <a:chExt cx="0" cy="0"/>
+        </a:xfrm>
+      </p:grpSpPr>
+      <p:pic>
+        <p:nvPicPr>
+          <p:cNvPr id="5" name="Picture 4">
+            <a:extLst>
+              <a:ext uri="{FF2B5EF4-FFF2-40B4-BE49-F238E27FC236}">
+                <a16:creationId xmlns:a16="http://schemas.microsoft.com/office/drawing/2014/main" id="{66366A02-E763-47DD-9B8C-27DF9C739BA7}"/>
+              </a:ext>
+            </a:extLst>
+          </p:cNvPr>
+          <p:cNvPicPr>
+            <a:picLocks noChangeAspect="1"/>
+          </p:cNvPicPr>
+          <p:nvPr/>
+        </p:nvPicPr>
+        <p:blipFill rotWithShape="1">
+          <a:blip r:embed="rId2">
+            <a:extLst>
+              <a:ext uri="{28A0092B-C50C-407E-A947-70E740481C1C}">
+                <a14:useLocalDpi xmlns:a14="http://schemas.microsoft.com/office/drawing/2010/main" val="0"/>
+              </a:ext>
+            </a:extLst>
+          </a:blip>
+          <a:srcRect r="8917" b="21523"/>
+          <a:stretch/>
+        </p:blipFill>
+        <p:spPr>
+          <a:xfrm>
+            <a:off x="615638" y="471055"/>
+            <a:ext cx="5953838" cy="4642484"/>
+          </a:xfrm>
+          <a:prstGeom prst="rect">
+            <a:avLst/>
+          </a:prstGeom>
+        </p:spPr>
+      </p:pic>
+      <p:sp>
+        <p:nvSpPr>
+          <p:cNvPr id="6" name="Title 2">
+            <a:extLst>
+              <a:ext uri="{FF2B5EF4-FFF2-40B4-BE49-F238E27FC236}">
+                <a16:creationId xmlns:a16="http://schemas.microsoft.com/office/drawing/2014/main" id="{4C6471C7-BE44-4125-B835-73BE6E0F2393}"/>
+              </a:ext>
+            </a:extLst>
+          </p:cNvPr>
+          <p:cNvSpPr txBox="1">
+            <a:spLocks/>
+          </p:cNvSpPr>
+          <p:nvPr/>
+        </p:nvSpPr>
+        <p:spPr>
+          <a:xfrm>
+            <a:off x="7448364" y="577408"/>
+            <a:ext cx="3407525" cy="203649"/>
+          </a:xfrm>
+          <a:prstGeom prst="rect">
+            <a:avLst/>
+          </a:prstGeom>
+        </p:spPr>
+        <p:txBody>
+          <a:bodyPr vert="horz" lIns="91440" tIns="45720" rIns="91440" bIns="45720" rtlCol="0" anchor="b">
+            <a:noAutofit/>
+          </a:bodyPr>
+          <a:lstStyle>
+            <a:lvl1pPr algn="l" defTabSz="914400" rtl="0" eaLnBrk="1" latinLnBrk="0" hangingPunct="1">
+              <a:lnSpc>
+                <a:spcPct val="90000"/>
+              </a:lnSpc>
+              <a:spcBef>
+                <a:spcPct val="0"/>
+              </a:spcBef>
+              <a:buNone/>
+              <a:defRPr sz="4400" kern="1200" spc="-50" baseline="0">
+                <a:solidFill>
+                  <a:schemeClr val="tx1"/>
+                </a:solidFill>
+                <a:latin typeface="+mj-lt"/>
+                <a:ea typeface="+mj-ea"/>
+                <a:cs typeface="+mj-cs"/>
+              </a:defRPr>
+            </a:lvl1pPr>
+          </a:lstStyle>
+          <a:p>
+            <a:pPr>
+              <a:lnSpc>
+                <a:spcPct val="85000"/>
+              </a:lnSpc>
+            </a:pPr>
+            <a:r>
+              <a:rPr lang="en-US" sz="3600" dirty="0"/>
+              <a:t>State Machine</a:t>
+            </a:r>
+          </a:p>
+        </p:txBody>
+      </p:sp>
+      <p:sp>
+        <p:nvSpPr>
+          <p:cNvPr id="9" name="TextBox 8">
+            <a:extLst>
+              <a:ext uri="{FF2B5EF4-FFF2-40B4-BE49-F238E27FC236}">
+                <a16:creationId xmlns:a16="http://schemas.microsoft.com/office/drawing/2014/main" id="{890F83A2-60CC-4D04-9822-D9DEED258062}"/>
+              </a:ext>
+            </a:extLst>
+          </p:cNvPr>
+          <p:cNvSpPr txBox="1"/>
+          <p:nvPr/>
+        </p:nvSpPr>
+        <p:spPr>
+          <a:xfrm>
+            <a:off x="6729274" y="1082958"/>
+            <a:ext cx="5051394" cy="4893647"/>
+          </a:xfrm>
+          <a:prstGeom prst="rect">
+            <a:avLst/>
+          </a:prstGeom>
+          <a:noFill/>
+        </p:spPr>
+        <p:txBody>
+          <a:bodyPr wrap="square" rtlCol="0">
+            <a:spAutoFit/>
+          </a:bodyPr>
+          <a:lstStyle/>
+          <a:p>
+            <a:pPr marL="342900" indent="-342900">
+              <a:buFont typeface="Arial" panose="020B0604020202020204" pitchFamily="34" charset="0"/>
+              <a:buChar char="•"/>
+            </a:pPr>
+            <a:r>
+              <a:rPr lang="en-US" sz="2400" dirty="0"/>
+              <a:t>SM monitors ‘</a:t>
+            </a:r>
+            <a:r>
+              <a:rPr lang="en-US" sz="2400" dirty="0" err="1"/>
+              <a:t>energy_remaining</a:t>
+            </a:r>
+            <a:r>
+              <a:rPr lang="en-US" sz="2400" dirty="0"/>
+              <a:t>’</a:t>
+            </a:r>
+          </a:p>
+          <a:p>
+            <a:pPr marL="342900" indent="-342900">
+              <a:buFont typeface="Arial" panose="020B0604020202020204" pitchFamily="34" charset="0"/>
+              <a:buChar char="•"/>
+            </a:pPr>
+            <a:r>
+              <a:rPr lang="en-US" sz="2400" dirty="0"/>
+              <a:t>Updates System energy state to one of the following:</a:t>
+            </a:r>
+          </a:p>
+          <a:p>
+            <a:pPr marL="800100" lvl="1" indent="-342900">
+              <a:buFont typeface="Arial" panose="020B0604020202020204" pitchFamily="34" charset="0"/>
+              <a:buChar char="•"/>
+            </a:pPr>
+            <a:r>
+              <a:rPr lang="en-US" sz="2400" dirty="0"/>
+              <a:t>POWER ON</a:t>
+            </a:r>
+          </a:p>
+          <a:p>
+            <a:pPr marL="800100" lvl="1" indent="-342900">
+              <a:buFont typeface="Arial" panose="020B0604020202020204" pitchFamily="34" charset="0"/>
+              <a:buChar char="•"/>
+            </a:pPr>
+            <a:r>
+              <a:rPr lang="en-US" sz="2400" dirty="0"/>
+              <a:t>POWER RETENTION</a:t>
+            </a:r>
+          </a:p>
+          <a:p>
+            <a:pPr marL="800100" lvl="1" indent="-342900">
+              <a:buFont typeface="Arial" panose="020B0604020202020204" pitchFamily="34" charset="0"/>
+              <a:buChar char="•"/>
+            </a:pPr>
+            <a:r>
+              <a:rPr lang="en-US" sz="2400" dirty="0"/>
+              <a:t>POWER OFF</a:t>
+            </a:r>
+          </a:p>
+          <a:p>
+            <a:pPr marL="342900" indent="-342900">
+              <a:buFont typeface="Arial" panose="020B0604020202020204" pitchFamily="34" charset="0"/>
+              <a:buChar char="•"/>
+            </a:pPr>
+            <a:r>
+              <a:rPr lang="en-US" sz="2400" dirty="0"/>
+              <a:t>Uses configurable thresholds to switch between states:</a:t>
+            </a:r>
+          </a:p>
+          <a:p>
+            <a:pPr marL="800100" lvl="1" indent="-342900">
+              <a:buFont typeface="Arial" panose="020B0604020202020204" pitchFamily="34" charset="0"/>
+              <a:buChar char="•"/>
+            </a:pPr>
+            <a:r>
+              <a:rPr lang="en-US" sz="2400" dirty="0" err="1"/>
+              <a:t>thres_ret_to_on</a:t>
+            </a:r>
+            <a:endParaRPr lang="en-US" sz="2400" dirty="0"/>
+          </a:p>
+          <a:p>
+            <a:pPr marL="800100" lvl="1" indent="-342900">
+              <a:buFont typeface="Arial" panose="020B0604020202020204" pitchFamily="34" charset="0"/>
+              <a:buChar char="•"/>
+            </a:pPr>
+            <a:r>
+              <a:rPr lang="en-US" sz="2400" dirty="0" err="1"/>
+              <a:t>thres_ret_to_off</a:t>
+            </a:r>
+            <a:endParaRPr lang="en-US" sz="2400" dirty="0"/>
+          </a:p>
+          <a:p>
+            <a:pPr marL="800100" lvl="1" indent="-342900">
+              <a:buFont typeface="Arial" panose="020B0604020202020204" pitchFamily="34" charset="0"/>
+              <a:buChar char="•"/>
+            </a:pPr>
+            <a:r>
+              <a:rPr lang="en-US" sz="2400" dirty="0"/>
+              <a:t>thres_1_to_ret</a:t>
+            </a:r>
+          </a:p>
+          <a:p>
+            <a:endParaRPr lang="en-US" sz="2400" dirty="0"/>
+          </a:p>
+        </p:txBody>
+      </p:sp>
+    </p:spTree>
+    <p:extLst>
+      <p:ext uri="{BB962C8B-B14F-4D97-AF65-F5344CB8AC3E}">
+        <p14:creationId xmlns:p14="http://schemas.microsoft.com/office/powerpoint/2010/main" val="2510238269"/>
+      </p:ext>
+    </p:extLst>
+  </p:cSld>
+  <p:clrMapOvr>
+    <a:masterClrMapping/>
+  </p:clrMapOvr>
+</p:sld>
+</file>
+
+<file path=ppt/slides/slide12.xml><?xml version="1.0" encoding="utf-8"?>
+<p:sld xmlns:a="http://schemas.openxmlformats.org/drawingml/2006/main" xmlns:r="http://schemas.openxmlformats.org/officeDocument/2006/relationships" xmlns:p="http://schemas.openxmlformats.org/presentationml/2006/main" showMasterSp="0">
+  <p:cSld>
+    <p:bg>
+      <p:bgPr>
+        <a:solidFill>
+          <a:schemeClr val="bg1"/>
+        </a:solidFill>
+        <a:effectLst/>
+      </p:bgPr>
+    </p:bg>
+    <p:spTree>
+      <p:nvGrpSpPr>
+        <p:cNvPr id="1" name=""/>
+        <p:cNvGrpSpPr/>
+        <p:nvPr/>
+      </p:nvGrpSpPr>
+      <p:grpSpPr>
+        <a:xfrm>
+          <a:off x="0" y="0"/>
+          <a:ext cx="0" cy="0"/>
+          <a:chOff x="0" y="0"/>
+          <a:chExt cx="0" cy="0"/>
+        </a:xfrm>
+      </p:grpSpPr>
+      <p:pic>
+        <p:nvPicPr>
+          <p:cNvPr id="5" name="Picture 4">
+            <a:extLst>
+              <a:ext uri="{FF2B5EF4-FFF2-40B4-BE49-F238E27FC236}">
+                <a16:creationId xmlns:a16="http://schemas.microsoft.com/office/drawing/2014/main" id="{66366A02-E763-47DD-9B8C-27DF9C739BA7}"/>
+              </a:ext>
+            </a:extLst>
+          </p:cNvPr>
+          <p:cNvPicPr>
+            <a:picLocks noChangeAspect="1"/>
+          </p:cNvPicPr>
+          <p:nvPr/>
+        </p:nvPicPr>
+        <p:blipFill rotWithShape="1">
+          <a:blip r:embed="rId2">
+            <a:extLst>
+              <a:ext uri="{28A0092B-C50C-407E-A947-70E740481C1C}">
+                <a14:useLocalDpi xmlns:a14="http://schemas.microsoft.com/office/drawing/2010/main" val="0"/>
+              </a:ext>
+            </a:extLst>
+          </a:blip>
+          <a:srcRect r="8917" b="21523"/>
+          <a:stretch/>
+        </p:blipFill>
+        <p:spPr>
+          <a:xfrm>
+            <a:off x="615638" y="471055"/>
+            <a:ext cx="5953838" cy="4642484"/>
+          </a:xfrm>
+          <a:prstGeom prst="rect">
+            <a:avLst/>
+          </a:prstGeom>
+        </p:spPr>
+      </p:pic>
+      <p:sp>
+        <p:nvSpPr>
+          <p:cNvPr id="6" name="Title 2">
+            <a:extLst>
+              <a:ext uri="{FF2B5EF4-FFF2-40B4-BE49-F238E27FC236}">
+                <a16:creationId xmlns:a16="http://schemas.microsoft.com/office/drawing/2014/main" id="{4C6471C7-BE44-4125-B835-73BE6E0F2393}"/>
+              </a:ext>
+            </a:extLst>
+          </p:cNvPr>
+          <p:cNvSpPr txBox="1">
+            <a:spLocks/>
+          </p:cNvSpPr>
+          <p:nvPr/>
+        </p:nvSpPr>
+        <p:spPr>
+          <a:xfrm>
+            <a:off x="7448364" y="577408"/>
+            <a:ext cx="3407525" cy="203649"/>
+          </a:xfrm>
+          <a:prstGeom prst="rect">
+            <a:avLst/>
+          </a:prstGeom>
+        </p:spPr>
+        <p:txBody>
+          <a:bodyPr vert="horz" lIns="91440" tIns="45720" rIns="91440" bIns="45720" rtlCol="0" anchor="b">
+            <a:noAutofit/>
+          </a:bodyPr>
+          <a:lstStyle>
+            <a:lvl1pPr algn="l" defTabSz="914400" rtl="0" eaLnBrk="1" latinLnBrk="0" hangingPunct="1">
+              <a:lnSpc>
+                <a:spcPct val="90000"/>
+              </a:lnSpc>
+              <a:spcBef>
+                <a:spcPct val="0"/>
+              </a:spcBef>
+              <a:buNone/>
+              <a:defRPr sz="4400" kern="1200" spc="-50" baseline="0">
+                <a:solidFill>
+                  <a:schemeClr val="tx1"/>
+                </a:solidFill>
+                <a:latin typeface="+mj-lt"/>
+                <a:ea typeface="+mj-ea"/>
+                <a:cs typeface="+mj-cs"/>
+              </a:defRPr>
+            </a:lvl1pPr>
+          </a:lstStyle>
+          <a:p>
+            <a:pPr>
+              <a:lnSpc>
+                <a:spcPct val="85000"/>
+              </a:lnSpc>
+            </a:pPr>
+            <a:r>
+              <a:rPr lang="en-US" sz="3600" dirty="0"/>
+              <a:t>Broadcast state</a:t>
+            </a:r>
+          </a:p>
+        </p:txBody>
+      </p:sp>
+      <p:sp>
+        <p:nvSpPr>
+          <p:cNvPr id="9" name="TextBox 8">
+            <a:extLst>
+              <a:ext uri="{FF2B5EF4-FFF2-40B4-BE49-F238E27FC236}">
+                <a16:creationId xmlns:a16="http://schemas.microsoft.com/office/drawing/2014/main" id="{890F83A2-60CC-4D04-9822-D9DEED258062}"/>
+              </a:ext>
+            </a:extLst>
+          </p:cNvPr>
+          <p:cNvSpPr txBox="1"/>
+          <p:nvPr/>
+        </p:nvSpPr>
+        <p:spPr>
+          <a:xfrm>
+            <a:off x="7232072" y="1082958"/>
+            <a:ext cx="3793993" cy="707886"/>
+          </a:xfrm>
+          <a:prstGeom prst="rect">
+            <a:avLst/>
+          </a:prstGeom>
+          <a:noFill/>
+        </p:spPr>
+        <p:txBody>
+          <a:bodyPr wrap="square" rtlCol="0">
+            <a:spAutoFit/>
+          </a:bodyPr>
+          <a:lstStyle/>
+          <a:p>
+            <a:pPr algn="just"/>
+            <a:endParaRPr lang="en-US" sz="2000" dirty="0"/>
+          </a:p>
+          <a:p>
+            <a:pPr algn="just"/>
+            <a:endParaRPr lang="en-US" sz="2000" dirty="0"/>
+          </a:p>
+        </p:txBody>
+      </p:sp>
+      <p:pic>
+        <p:nvPicPr>
+          <p:cNvPr id="7" name="Picture 6">
+            <a:extLst>
+              <a:ext uri="{FF2B5EF4-FFF2-40B4-BE49-F238E27FC236}">
+                <a16:creationId xmlns:a16="http://schemas.microsoft.com/office/drawing/2014/main" id="{F776E413-A51F-48F4-B6C5-4CB668C26F13}"/>
+              </a:ext>
+            </a:extLst>
+          </p:cNvPr>
+          <p:cNvPicPr>
+            <a:picLocks noChangeAspect="1"/>
+          </p:cNvPicPr>
+          <p:nvPr/>
+        </p:nvPicPr>
+        <p:blipFill>
+          <a:blip r:embed="rId2">
+            <a:extLst>
+              <a:ext uri="{28A0092B-C50C-407E-A947-70E740481C1C}">
+                <a14:useLocalDpi xmlns:a14="http://schemas.microsoft.com/office/drawing/2010/main" val="0"/>
+              </a:ext>
+            </a:extLst>
+          </a:blip>
+          <a:stretch>
+            <a:fillRect/>
+          </a:stretch>
+        </p:blipFill>
+        <p:spPr>
+          <a:xfrm>
+            <a:off x="615638" y="471054"/>
+            <a:ext cx="6536702" cy="5915715"/>
+          </a:xfrm>
+          <a:prstGeom prst="rect">
+            <a:avLst/>
+          </a:prstGeom>
+        </p:spPr>
+      </p:pic>
+      <p:sp>
+        <p:nvSpPr>
+          <p:cNvPr id="8" name="TextBox 7">
+            <a:extLst>
+              <a:ext uri="{FF2B5EF4-FFF2-40B4-BE49-F238E27FC236}">
+                <a16:creationId xmlns:a16="http://schemas.microsoft.com/office/drawing/2014/main" id="{D4C118F8-51D1-45E7-8EB5-473F967B5ACF}"/>
+              </a:ext>
+            </a:extLst>
+          </p:cNvPr>
+          <p:cNvSpPr txBox="1"/>
+          <p:nvPr/>
+        </p:nvSpPr>
+        <p:spPr>
+          <a:xfrm>
+            <a:off x="7232072" y="1181093"/>
+            <a:ext cx="4655128" cy="3046988"/>
+          </a:xfrm>
+          <a:prstGeom prst="rect">
+            <a:avLst/>
+          </a:prstGeom>
+          <a:noFill/>
+        </p:spPr>
+        <p:txBody>
+          <a:bodyPr wrap="square" rtlCol="0">
+            <a:spAutoFit/>
+          </a:bodyPr>
+          <a:lstStyle/>
+          <a:p>
+            <a:pPr marL="342900" indent="-342900">
+              <a:buFont typeface="Arial" panose="020B0604020202020204" pitchFamily="34" charset="0"/>
+              <a:buChar char="•"/>
+            </a:pPr>
+            <a:r>
+              <a:rPr lang="en-US" sz="2400" dirty="0"/>
+              <a:t>Based on SM state, send current state to all </a:t>
+            </a:r>
+            <a:r>
+              <a:rPr lang="en-US" sz="2400" dirty="0" err="1"/>
+              <a:t>SimObjects</a:t>
+            </a:r>
+            <a:endParaRPr lang="en-US" sz="2400" dirty="0"/>
+          </a:p>
+          <a:p>
+            <a:pPr marL="342900" indent="-342900">
+              <a:buFont typeface="Arial" panose="020B0604020202020204" pitchFamily="34" charset="0"/>
+              <a:buChar char="•"/>
+            </a:pPr>
+            <a:r>
+              <a:rPr lang="en-US" sz="2400" dirty="0" err="1"/>
+              <a:t>SimObjects</a:t>
+            </a:r>
+            <a:r>
+              <a:rPr lang="en-US" sz="2400" dirty="0"/>
+              <a:t> may change their functionality based on this state change message</a:t>
+            </a:r>
+          </a:p>
+          <a:p>
+            <a:pPr marL="342900" indent="-342900">
+              <a:buFont typeface="Arial" panose="020B0604020202020204" pitchFamily="34" charset="0"/>
+              <a:buChar char="•"/>
+            </a:pPr>
+            <a:r>
+              <a:rPr lang="en-US" sz="2400" dirty="0" err="1"/>
+              <a:t>AtomicCPU</a:t>
+            </a:r>
+            <a:r>
+              <a:rPr lang="en-US" sz="2400" dirty="0"/>
+              <a:t> changes status based on system energy state</a:t>
+            </a:r>
+          </a:p>
+        </p:txBody>
+      </p:sp>
+    </p:spTree>
+    <p:extLst>
+      <p:ext uri="{BB962C8B-B14F-4D97-AF65-F5344CB8AC3E}">
+        <p14:creationId xmlns:p14="http://schemas.microsoft.com/office/powerpoint/2010/main" val="1778281578"/>
+      </p:ext>
+    </p:extLst>
+  </p:cSld>
+  <p:clrMapOvr>
+    <a:masterClrMapping/>
+  </p:clrMapOvr>
+</p:sld>
+</file>
+
+<file path=ppt/slides/slide13.xml><?xml version="1.0" encoding="utf-8"?>
+<p:sld xmlns:a="http://schemas.openxmlformats.org/drawingml/2006/main" xmlns:r="http://schemas.openxmlformats.org/officeDocument/2006/relationships" xmlns:p="http://schemas.openxmlformats.org/presentationml/2006/main" showMasterSp="0">
+  <p:cSld>
+    <p:bg>
+      <p:bgPr>
+        <a:solidFill>
+          <a:schemeClr val="bg1"/>
+        </a:solidFill>
+        <a:effectLst/>
+      </p:bgPr>
+    </p:bg>
+    <p:spTree>
+      <p:nvGrpSpPr>
+        <p:cNvPr id="1" name=""/>
+        <p:cNvGrpSpPr/>
+        <p:nvPr/>
+      </p:nvGrpSpPr>
+      <p:grpSpPr>
+        <a:xfrm>
+          <a:off x="0" y="0"/>
+          <a:ext cx="0" cy="0"/>
+          <a:chOff x="0" y="0"/>
+          <a:chExt cx="0" cy="0"/>
+        </a:xfrm>
+      </p:grpSpPr>
+      <p:pic>
+        <p:nvPicPr>
+          <p:cNvPr id="5" name="Picture 4">
+            <a:extLst>
+              <a:ext uri="{FF2B5EF4-FFF2-40B4-BE49-F238E27FC236}">
+                <a16:creationId xmlns:a16="http://schemas.microsoft.com/office/drawing/2014/main" id="{66366A02-E763-47DD-9B8C-27DF9C739BA7}"/>
+              </a:ext>
+            </a:extLst>
+          </p:cNvPr>
+          <p:cNvPicPr>
+            <a:picLocks noChangeAspect="1"/>
+          </p:cNvPicPr>
+          <p:nvPr/>
+        </p:nvPicPr>
+        <p:blipFill rotWithShape="1">
+          <a:blip r:embed="rId2">
+            <a:extLst>
+              <a:ext uri="{28A0092B-C50C-407E-A947-70E740481C1C}">
+                <a14:useLocalDpi xmlns:a14="http://schemas.microsoft.com/office/drawing/2010/main" val="0"/>
+              </a:ext>
+            </a:extLst>
+          </a:blip>
+          <a:srcRect r="8917" b="21523"/>
+          <a:stretch/>
+        </p:blipFill>
+        <p:spPr>
+          <a:xfrm>
+            <a:off x="615638" y="471055"/>
+            <a:ext cx="5953838" cy="4642484"/>
+          </a:xfrm>
+          <a:prstGeom prst="rect">
+            <a:avLst/>
+          </a:prstGeom>
+        </p:spPr>
+      </p:pic>
+      <p:sp>
+        <p:nvSpPr>
+          <p:cNvPr id="6" name="Title 2">
+            <a:extLst>
+              <a:ext uri="{FF2B5EF4-FFF2-40B4-BE49-F238E27FC236}">
+                <a16:creationId xmlns:a16="http://schemas.microsoft.com/office/drawing/2014/main" id="{4C6471C7-BE44-4125-B835-73BE6E0F2393}"/>
+              </a:ext>
+            </a:extLst>
+          </p:cNvPr>
+          <p:cNvSpPr txBox="1">
+            <a:spLocks/>
+          </p:cNvSpPr>
+          <p:nvPr/>
+        </p:nvSpPr>
+        <p:spPr>
+          <a:xfrm>
+            <a:off x="7505205" y="928376"/>
+            <a:ext cx="3407525" cy="203649"/>
+          </a:xfrm>
+          <a:prstGeom prst="rect">
+            <a:avLst/>
+          </a:prstGeom>
+        </p:spPr>
+        <p:txBody>
+          <a:bodyPr vert="horz" lIns="91440" tIns="45720" rIns="91440" bIns="45720" rtlCol="0" anchor="b">
+            <a:noAutofit/>
+          </a:bodyPr>
+          <a:lstStyle>
+            <a:lvl1pPr algn="l" defTabSz="914400" rtl="0" eaLnBrk="1" latinLnBrk="0" hangingPunct="1">
+              <a:lnSpc>
+                <a:spcPct val="90000"/>
+              </a:lnSpc>
+              <a:spcBef>
+                <a:spcPct val="0"/>
+              </a:spcBef>
+              <a:buNone/>
+              <a:defRPr sz="4400" kern="1200" spc="-50" baseline="0">
+                <a:solidFill>
+                  <a:schemeClr val="tx1"/>
+                </a:solidFill>
+                <a:latin typeface="+mj-lt"/>
+                <a:ea typeface="+mj-ea"/>
+                <a:cs typeface="+mj-cs"/>
+              </a:defRPr>
+            </a:lvl1pPr>
+          </a:lstStyle>
+          <a:p>
+            <a:pPr>
+              <a:lnSpc>
+                <a:spcPct val="85000"/>
+              </a:lnSpc>
+            </a:pPr>
+            <a:r>
+              <a:rPr lang="en-US" sz="3600" dirty="0" err="1"/>
+              <a:t>AtomicCPU</a:t>
+            </a:r>
+            <a:r>
+              <a:rPr lang="en-US" sz="3600" dirty="0"/>
+              <a:t> </a:t>
+            </a:r>
+          </a:p>
+        </p:txBody>
+      </p:sp>
+      <p:sp>
+        <p:nvSpPr>
+          <p:cNvPr id="9" name="TextBox 8">
+            <a:extLst>
+              <a:ext uri="{FF2B5EF4-FFF2-40B4-BE49-F238E27FC236}">
+                <a16:creationId xmlns:a16="http://schemas.microsoft.com/office/drawing/2014/main" id="{890F83A2-60CC-4D04-9822-D9DEED258062}"/>
+              </a:ext>
+            </a:extLst>
+          </p:cNvPr>
+          <p:cNvSpPr txBox="1"/>
+          <p:nvPr/>
+        </p:nvSpPr>
+        <p:spPr>
+          <a:xfrm>
+            <a:off x="7232072" y="1082958"/>
+            <a:ext cx="3793993" cy="707886"/>
+          </a:xfrm>
+          <a:prstGeom prst="rect">
+            <a:avLst/>
+          </a:prstGeom>
+          <a:noFill/>
+        </p:spPr>
+        <p:txBody>
+          <a:bodyPr wrap="square" rtlCol="0">
+            <a:spAutoFit/>
+          </a:bodyPr>
+          <a:lstStyle/>
+          <a:p>
+            <a:pPr algn="just"/>
+            <a:endParaRPr lang="en-US" sz="2000" dirty="0"/>
+          </a:p>
+          <a:p>
+            <a:pPr algn="just"/>
+            <a:endParaRPr lang="en-US" sz="2000" dirty="0"/>
+          </a:p>
+        </p:txBody>
+      </p:sp>
+      <p:pic>
+        <p:nvPicPr>
+          <p:cNvPr id="7" name="Picture 6">
+            <a:extLst>
+              <a:ext uri="{FF2B5EF4-FFF2-40B4-BE49-F238E27FC236}">
+                <a16:creationId xmlns:a16="http://schemas.microsoft.com/office/drawing/2014/main" id="{F776E413-A51F-48F4-B6C5-4CB668C26F13}"/>
+              </a:ext>
+            </a:extLst>
+          </p:cNvPr>
+          <p:cNvPicPr>
+            <a:picLocks noChangeAspect="1"/>
+          </p:cNvPicPr>
+          <p:nvPr/>
+        </p:nvPicPr>
+        <p:blipFill>
+          <a:blip r:embed="rId2">
+            <a:extLst>
+              <a:ext uri="{28A0092B-C50C-407E-A947-70E740481C1C}">
+                <a14:useLocalDpi xmlns:a14="http://schemas.microsoft.com/office/drawing/2010/main" val="0"/>
+              </a:ext>
+            </a:extLst>
+          </a:blip>
+          <a:stretch>
+            <a:fillRect/>
+          </a:stretch>
+        </p:blipFill>
+        <p:spPr>
+          <a:xfrm>
+            <a:off x="615638" y="471054"/>
+            <a:ext cx="6536702" cy="5915715"/>
+          </a:xfrm>
+          <a:prstGeom prst="rect">
+            <a:avLst/>
+          </a:prstGeom>
+        </p:spPr>
+      </p:pic>
+      <p:sp>
+        <p:nvSpPr>
+          <p:cNvPr id="8" name="TextBox 7">
+            <a:extLst>
+              <a:ext uri="{FF2B5EF4-FFF2-40B4-BE49-F238E27FC236}">
+                <a16:creationId xmlns:a16="http://schemas.microsoft.com/office/drawing/2014/main" id="{D4C118F8-51D1-45E7-8EB5-473F967B5ACF}"/>
+              </a:ext>
+            </a:extLst>
+          </p:cNvPr>
+          <p:cNvSpPr txBox="1"/>
+          <p:nvPr/>
+        </p:nvSpPr>
+        <p:spPr>
+          <a:xfrm>
+            <a:off x="7232071" y="1181093"/>
+            <a:ext cx="5099012" cy="5262979"/>
+          </a:xfrm>
+          <a:prstGeom prst="rect">
+            <a:avLst/>
+          </a:prstGeom>
+          <a:noFill/>
+        </p:spPr>
+        <p:txBody>
+          <a:bodyPr wrap="square" rtlCol="0">
+            <a:spAutoFit/>
+          </a:bodyPr>
+          <a:lstStyle/>
+          <a:p>
+            <a:pPr marL="342900" indent="-342900">
+              <a:buFont typeface="Arial" panose="020B0604020202020204" pitchFamily="34" charset="0"/>
+              <a:buChar char="•"/>
+            </a:pPr>
+            <a:r>
+              <a:rPr lang="en-US" sz="2400" dirty="0"/>
+              <a:t>Listens on incoming energy port for State change messages</a:t>
+            </a:r>
+          </a:p>
+          <a:p>
+            <a:pPr marL="342900" indent="-342900">
+              <a:buFont typeface="Arial" panose="020B0604020202020204" pitchFamily="34" charset="0"/>
+              <a:buChar char="•"/>
+            </a:pPr>
+            <a:endParaRPr lang="en-US" sz="2400" dirty="0"/>
+          </a:p>
+          <a:p>
+            <a:pPr marL="342900" indent="-342900">
+              <a:buFont typeface="Arial" panose="020B0604020202020204" pitchFamily="34" charset="0"/>
+              <a:buChar char="•"/>
+            </a:pPr>
+            <a:r>
+              <a:rPr lang="en-US" sz="2400" dirty="0"/>
+              <a:t>Enters one of the following states:</a:t>
+            </a:r>
+          </a:p>
+          <a:p>
+            <a:pPr marL="800100" lvl="1" indent="-342900">
+              <a:buFont typeface="Arial" panose="020B0604020202020204" pitchFamily="34" charset="0"/>
+              <a:buChar char="•"/>
+            </a:pPr>
+            <a:r>
+              <a:rPr lang="en-US" sz="2400" dirty="0"/>
+              <a:t>CPU_STATE_OFF</a:t>
+            </a:r>
+          </a:p>
+          <a:p>
+            <a:pPr marL="800100" lvl="1" indent="-342900">
+              <a:buFont typeface="Arial" panose="020B0604020202020204" pitchFamily="34" charset="0"/>
+              <a:buChar char="•"/>
+            </a:pPr>
+            <a:r>
+              <a:rPr lang="en-US" sz="2400" dirty="0"/>
+              <a:t>CPU_STATE_RET</a:t>
+            </a:r>
+          </a:p>
+          <a:p>
+            <a:pPr marL="800100" lvl="1" indent="-342900">
+              <a:buFont typeface="Arial" panose="020B0604020202020204" pitchFamily="34" charset="0"/>
+              <a:buChar char="•"/>
+            </a:pPr>
+            <a:r>
+              <a:rPr lang="en-US" sz="2400" dirty="0"/>
+              <a:t>CPU_STATE_ON</a:t>
+            </a:r>
+          </a:p>
+          <a:p>
+            <a:pPr marL="342900" indent="-342900">
+              <a:buFont typeface="Arial" panose="020B0604020202020204" pitchFamily="34" charset="0"/>
+              <a:buChar char="•"/>
+            </a:pPr>
+            <a:endParaRPr lang="en-US" sz="2400" dirty="0"/>
+          </a:p>
+          <a:p>
+            <a:pPr marL="342900" indent="-342900">
+              <a:buFont typeface="Arial" panose="020B0604020202020204" pitchFamily="34" charset="0"/>
+              <a:buChar char="•"/>
+            </a:pPr>
+            <a:r>
+              <a:rPr lang="en-US" sz="2400" dirty="0"/>
+              <a:t>Normal functionality in CPU_STATE_ON</a:t>
+            </a:r>
+          </a:p>
+          <a:p>
+            <a:pPr marL="342900" indent="-342900">
+              <a:buFont typeface="Arial" panose="020B0604020202020204" pitchFamily="34" charset="0"/>
+              <a:buChar char="•"/>
+            </a:pPr>
+            <a:endParaRPr lang="en-US" sz="2400" dirty="0"/>
+          </a:p>
+          <a:p>
+            <a:pPr marL="342900" indent="-342900">
+              <a:buFont typeface="Arial" panose="020B0604020202020204" pitchFamily="34" charset="0"/>
+              <a:buChar char="•"/>
+            </a:pPr>
+            <a:r>
+              <a:rPr lang="en-US" sz="2400" dirty="0"/>
+              <a:t>Ticks are rescheduled in CPU_STATE_RET</a:t>
+            </a:r>
+          </a:p>
+        </p:txBody>
+      </p:sp>
+    </p:spTree>
+    <p:extLst>
+      <p:ext uri="{BB962C8B-B14F-4D97-AF65-F5344CB8AC3E}">
+        <p14:creationId xmlns:p14="http://schemas.microsoft.com/office/powerpoint/2010/main" val="881767312"/>
+      </p:ext>
+    </p:extLst>
+  </p:cSld>
+  <p:clrMapOvr>
+    <a:masterClrMapping/>
+  </p:clrMapOvr>
+</p:sld>
+</file>
+
+<file path=ppt/slides/slide14.xml><?xml version="1.0" encoding="utf-8"?>
+<p:sld xmlns:a="http://schemas.openxmlformats.org/drawingml/2006/main" xmlns:r="http://schemas.openxmlformats.org/officeDocument/2006/relationships" xmlns:p="http://schemas.openxmlformats.org/presentationml/2006/main" showMasterSp="0">
+  <p:cSld>
+    <p:bg>
+      <p:bgPr>
+        <a:solidFill>
+          <a:schemeClr val="bg1"/>
+        </a:solidFill>
+        <a:effectLst/>
+      </p:bgPr>
+    </p:bg>
     <p:spTree>
       <p:nvGrpSpPr>
         <p:cNvPr id="1" name=""/>
@@ -5011,9 +6126,17 @@
 </p:sld>
 </file>
 
-<file path=ppt/slides/slide11.xml><?xml version="1.0" encoding="utf-8"?>
-<p:sld xmlns:a="http://schemas.openxmlformats.org/drawingml/2006/main" xmlns:r="http://schemas.openxmlformats.org/officeDocument/2006/relationships" xmlns:p="http://schemas.openxmlformats.org/presentationml/2006/main">
+<file path=ppt/slides/slide15.xml><?xml version="1.0" encoding="utf-8"?>
+<p:sld xmlns:a="http://schemas.openxmlformats.org/drawingml/2006/main" xmlns:r="http://schemas.openxmlformats.org/officeDocument/2006/relationships" xmlns:p="http://schemas.openxmlformats.org/presentationml/2006/main" showMasterSp="0">
   <p:cSld>
+    <p:bg>
+      <p:bgPr>
+        <a:solidFill>
+          <a:schemeClr val="bg1"/>
+        </a:solidFill>
+        <a:effectLst/>
+      </p:bgPr>
+    </p:bg>
     <p:spTree>
       <p:nvGrpSpPr>
         <p:cNvPr id="1" name=""/>
@@ -5081,9 +6204,17 @@
 </p:sld>
 </file>
 
-<file path=ppt/slides/slide12.xml><?xml version="1.0" encoding="utf-8"?>
-<p:sld xmlns:a="http://schemas.openxmlformats.org/drawingml/2006/main" xmlns:r="http://schemas.openxmlformats.org/officeDocument/2006/relationships" xmlns:p="http://schemas.openxmlformats.org/presentationml/2006/main">
+<file path=ppt/slides/slide16.xml><?xml version="1.0" encoding="utf-8"?>
+<p:sld xmlns:a="http://schemas.openxmlformats.org/drawingml/2006/main" xmlns:r="http://schemas.openxmlformats.org/officeDocument/2006/relationships" xmlns:p="http://schemas.openxmlformats.org/presentationml/2006/main" showMasterSp="0">
   <p:cSld>
+    <p:bg>
+      <p:bgPr>
+        <a:solidFill>
+          <a:schemeClr val="bg1"/>
+        </a:solidFill>
+        <a:effectLst/>
+      </p:bgPr>
+    </p:bg>
     <p:spTree>
       <p:nvGrpSpPr>
         <p:cNvPr id="1" name=""/>
@@ -5188,9 +6319,17 @@
 </p:sld>
 </file>
 
-<file path=ppt/slides/slide13.xml><?xml version="1.0" encoding="utf-8"?>
-<p:sld xmlns:a="http://schemas.openxmlformats.org/drawingml/2006/main" xmlns:r="http://schemas.openxmlformats.org/officeDocument/2006/relationships" xmlns:p="http://schemas.openxmlformats.org/presentationml/2006/main">
+<file path=ppt/slides/slide17.xml><?xml version="1.0" encoding="utf-8"?>
+<p:sld xmlns:a="http://schemas.openxmlformats.org/drawingml/2006/main" xmlns:r="http://schemas.openxmlformats.org/officeDocument/2006/relationships" xmlns:p="http://schemas.openxmlformats.org/presentationml/2006/main" showMasterSp="0">
   <p:cSld>
+    <p:bg>
+      <p:bgPr>
+        <a:solidFill>
+          <a:schemeClr val="bg1"/>
+        </a:solidFill>
+        <a:effectLst/>
+      </p:bgPr>
+    </p:bg>
     <p:spTree>
       <p:nvGrpSpPr>
         <p:cNvPr id="1" name=""/>
@@ -5265,7 +6404,67 @@
             <a:pPr algn="ctr"/>
             <a:r>
               <a:rPr lang="en-US" sz="1400" dirty="0"/>
-              <a:t>Fig. 2. Energy Storages for Performance With Sine Input (threshold settings 1 and consumption settings 1)</a:t>
+              <a:t>Fig. 2. Energy </a:t>
+            </a:r>
+            <a:r>
+              <a:rPr lang="tr-TR" sz="1400" dirty="0"/>
+              <a:t>s</a:t>
+            </a:r>
+            <a:r>
+              <a:rPr lang="en-US" sz="1400" dirty="0" err="1"/>
+              <a:t>torages</a:t>
+            </a:r>
+            <a:r>
+              <a:rPr lang="en-US" sz="1400" dirty="0"/>
+              <a:t> for </a:t>
+            </a:r>
+            <a:r>
+              <a:rPr lang="tr-TR" sz="1400" dirty="0"/>
+              <a:t>p</a:t>
+            </a:r>
+            <a:r>
+              <a:rPr lang="en-US" sz="1400" dirty="0" err="1"/>
+              <a:t>erformance</a:t>
+            </a:r>
+            <a:r>
+              <a:rPr lang="en-US" sz="1400" dirty="0"/>
+              <a:t> </a:t>
+            </a:r>
+            <a:r>
+              <a:rPr lang="tr-TR" sz="1400" dirty="0"/>
+              <a:t>w</a:t>
+            </a:r>
+            <a:r>
+              <a:rPr lang="en-US" sz="1400" dirty="0" err="1"/>
+              <a:t>ith</a:t>
+            </a:r>
+            <a:r>
+              <a:rPr lang="en-US" sz="1400" dirty="0"/>
+              <a:t> </a:t>
+            </a:r>
+            <a:r>
+              <a:rPr lang="tr-TR" sz="1400" dirty="0"/>
+              <a:t>s</a:t>
+            </a:r>
+            <a:r>
+              <a:rPr lang="en-US" sz="1400" dirty="0" err="1"/>
+              <a:t>ine</a:t>
+            </a:r>
+            <a:r>
+              <a:rPr lang="en-US" sz="1400" dirty="0"/>
+              <a:t> </a:t>
+            </a:r>
+            <a:r>
+              <a:rPr lang="tr-TR" sz="1400" dirty="0"/>
+              <a:t>i</a:t>
+            </a:r>
+            <a:r>
+              <a:rPr lang="en-US" sz="1400" dirty="0" err="1"/>
+              <a:t>nput</a:t>
+            </a:r>
+            <a:r>
+              <a:rPr lang="en-US" sz="1400" dirty="0"/>
+              <a:t> (threshold settings 1 and consumption settings 1)</a:t>
             </a:r>
           </a:p>
         </p:txBody>
@@ -5295,9 +6494,17 @@
 </p:sld>
 </file>
 
-<file path=ppt/slides/slide14.xml><?xml version="1.0" encoding="utf-8"?>
-<p:sld xmlns:a="http://schemas.openxmlformats.org/drawingml/2006/main" xmlns:r="http://schemas.openxmlformats.org/officeDocument/2006/relationships" xmlns:p="http://schemas.openxmlformats.org/presentationml/2006/main">
+<file path=ppt/slides/slide18.xml><?xml version="1.0" encoding="utf-8"?>
+<p:sld xmlns:a="http://schemas.openxmlformats.org/drawingml/2006/main" xmlns:r="http://schemas.openxmlformats.org/officeDocument/2006/relationships" xmlns:p="http://schemas.openxmlformats.org/presentationml/2006/main" showMasterSp="0">
   <p:cSld>
+    <p:bg>
+      <p:bgPr>
+        <a:solidFill>
+          <a:schemeClr val="bg1"/>
+        </a:solidFill>
+        <a:effectLst/>
+      </p:bgPr>
+    </p:bg>
     <p:spTree>
       <p:nvGrpSpPr>
         <p:cNvPr id="1" name=""/>
@@ -5375,7 +6582,67 @@
             <a:pPr algn="ctr"/>
             <a:r>
               <a:rPr lang="en-US" sz="1400" dirty="0"/>
-              <a:t>Fig. 3. State Changes for Different Energy Storages for Performance with sine input (threshold settings 1 and consumption settings 1)</a:t>
+              <a:t>Fig. 3. State </a:t>
+            </a:r>
+            <a:r>
+              <a:rPr lang="tr-TR" sz="1400" dirty="0"/>
+              <a:t>c</a:t>
+            </a:r>
+            <a:r>
+              <a:rPr lang="en-US" sz="1400" dirty="0" err="1"/>
+              <a:t>hanges</a:t>
+            </a:r>
+            <a:r>
+              <a:rPr lang="en-US" sz="1400" dirty="0"/>
+              <a:t> for </a:t>
+            </a:r>
+            <a:r>
+              <a:rPr lang="tr-TR" sz="1400" dirty="0"/>
+              <a:t>d</a:t>
+            </a:r>
+            <a:r>
+              <a:rPr lang="en-US" sz="1400" dirty="0" err="1"/>
+              <a:t>ifferent</a:t>
+            </a:r>
+            <a:r>
+              <a:rPr lang="en-US" sz="1400" dirty="0"/>
+              <a:t> </a:t>
+            </a:r>
+            <a:r>
+              <a:rPr lang="tr-TR" sz="1400" dirty="0"/>
+              <a:t>e</a:t>
+            </a:r>
+            <a:r>
+              <a:rPr lang="en-US" sz="1400" dirty="0" err="1"/>
+              <a:t>nergy</a:t>
+            </a:r>
+            <a:r>
+              <a:rPr lang="en-US" sz="1400" dirty="0"/>
+              <a:t> </a:t>
+            </a:r>
+            <a:r>
+              <a:rPr lang="tr-TR" sz="1400" dirty="0"/>
+              <a:t>s</a:t>
+            </a:r>
+            <a:r>
+              <a:rPr lang="en-US" sz="1400" dirty="0" err="1"/>
+              <a:t>torages</a:t>
+            </a:r>
+            <a:r>
+              <a:rPr lang="en-US" sz="1400" dirty="0"/>
+              <a:t> for </a:t>
+            </a:r>
+            <a:r>
+              <a:rPr lang="tr-TR" sz="1400" dirty="0"/>
+              <a:t>p</a:t>
+            </a:r>
+            <a:r>
+              <a:rPr lang="en-US" sz="1400" dirty="0" err="1"/>
+              <a:t>erformance</a:t>
+            </a:r>
+            <a:r>
+              <a:rPr lang="en-US" sz="1400" dirty="0"/>
+              <a:t> with sine input (threshold settings 1 and consumption settings 1)</a:t>
             </a:r>
           </a:p>
         </p:txBody>
@@ -5405,9 +6672,17 @@
 </p:sld>
 </file>
 
-<file path=ppt/slides/slide15.xml><?xml version="1.0" encoding="utf-8"?>
-<p:sld xmlns:a="http://schemas.openxmlformats.org/drawingml/2006/main" xmlns:r="http://schemas.openxmlformats.org/officeDocument/2006/relationships" xmlns:p="http://schemas.openxmlformats.org/presentationml/2006/main">
+<file path=ppt/slides/slide19.xml><?xml version="1.0" encoding="utf-8"?>
+<p:sld xmlns:a="http://schemas.openxmlformats.org/drawingml/2006/main" xmlns:r="http://schemas.openxmlformats.org/officeDocument/2006/relationships" xmlns:p="http://schemas.openxmlformats.org/presentationml/2006/main" showMasterSp="0">
   <p:cSld>
+    <p:bg>
+      <p:bgPr>
+        <a:solidFill>
+          <a:schemeClr val="bg1"/>
+        </a:solidFill>
+        <a:effectLst/>
+      </p:bgPr>
+    </p:bg>
     <p:spTree>
       <p:nvGrpSpPr>
         <p:cNvPr id="1" name=""/>
@@ -5512,9 +6787,182 @@
 </p:sld>
 </file>
 
-<file path=ppt/slides/slide16.xml><?xml version="1.0" encoding="utf-8"?>
-<p:sld xmlns:a="http://schemas.openxmlformats.org/drawingml/2006/main" xmlns:r="http://schemas.openxmlformats.org/officeDocument/2006/relationships" xmlns:p="http://schemas.openxmlformats.org/presentationml/2006/main">
+<file path=ppt/slides/slide2.xml><?xml version="1.0" encoding="utf-8"?>
+<p:sld xmlns:a="http://schemas.openxmlformats.org/drawingml/2006/main" xmlns:r="http://schemas.openxmlformats.org/officeDocument/2006/relationships" xmlns:p="http://schemas.openxmlformats.org/presentationml/2006/main" showMasterSp="0">
   <p:cSld>
+    <p:bg>
+      <p:bgPr>
+        <a:solidFill>
+          <a:schemeClr val="bg1"/>
+        </a:solidFill>
+        <a:effectLst/>
+      </p:bgPr>
+    </p:bg>
+    <p:spTree>
+      <p:nvGrpSpPr>
+        <p:cNvPr id="1" name=""/>
+        <p:cNvGrpSpPr/>
+        <p:nvPr/>
+      </p:nvGrpSpPr>
+      <p:grpSpPr>
+        <a:xfrm>
+          <a:off x="0" y="0"/>
+          <a:ext cx="0" cy="0"/>
+          <a:chOff x="0" y="0"/>
+          <a:chExt cx="0" cy="0"/>
+        </a:xfrm>
+      </p:grpSpPr>
+      <p:sp>
+        <p:nvSpPr>
+          <p:cNvPr id="2" name="Title 1">
+            <a:extLst>
+              <a:ext uri="{FF2B5EF4-FFF2-40B4-BE49-F238E27FC236}">
+                <a16:creationId xmlns:a16="http://schemas.microsoft.com/office/drawing/2014/main" id="{5D7F0FF2-17A0-48DD-9916-F4D0298D490E}"/>
+              </a:ext>
+            </a:extLst>
+          </p:cNvPr>
+          <p:cNvSpPr>
+            <a:spLocks noGrp="1"/>
+          </p:cNvSpPr>
+          <p:nvPr>
+            <p:ph type="title"/>
+          </p:nvPr>
+        </p:nvSpPr>
+        <p:spPr/>
+        <p:txBody>
+          <a:bodyPr/>
+          <a:lstStyle/>
+          <a:p>
+            <a:pPr algn="ctr"/>
+            <a:r>
+              <a:rPr lang="en-US"/>
+              <a:t>CONTENT</a:t>
+            </a:r>
+          </a:p>
+        </p:txBody>
+      </p:sp>
+      <p:sp>
+        <p:nvSpPr>
+          <p:cNvPr id="3" name="Content Placeholder 2">
+            <a:extLst>
+              <a:ext uri="{FF2B5EF4-FFF2-40B4-BE49-F238E27FC236}">
+                <a16:creationId xmlns:a16="http://schemas.microsoft.com/office/drawing/2014/main" id="{86018072-858A-4A1D-8349-A978DAAF905A}"/>
+              </a:ext>
+            </a:extLst>
+          </p:cNvPr>
+          <p:cNvSpPr>
+            <a:spLocks noGrp="1"/>
+          </p:cNvSpPr>
+          <p:nvPr>
+            <p:ph idx="1"/>
+          </p:nvPr>
+        </p:nvSpPr>
+        <p:spPr/>
+        <p:txBody>
+          <a:bodyPr vert="horz" lIns="91440" tIns="45720" rIns="91440" bIns="45720" rtlCol="0" anchor="t">
+            <a:normAutofit/>
+          </a:bodyPr>
+          <a:lstStyle/>
+          <a:p>
+            <a:pPr algn="just"/>
+            <a:r>
+              <a:rPr lang="en-US" sz="2000"/>
+              <a:t>Motivation and Background</a:t>
+            </a:r>
+          </a:p>
+          <a:p>
+            <a:pPr algn="just"/>
+            <a:r>
+              <a:rPr lang="en-US" sz="2000"/>
+              <a:t>System Configuration</a:t>
+            </a:r>
+          </a:p>
+          <a:p>
+            <a:pPr marL="0" indent="0" algn="just">
+              <a:buNone/>
+            </a:pPr>
+            <a:r>
+              <a:rPr lang="en-US" sz="2000"/>
+              <a:t>           - Energy Harvester</a:t>
+            </a:r>
+          </a:p>
+          <a:p>
+            <a:pPr marL="0" indent="0" algn="just">
+              <a:buNone/>
+            </a:pPr>
+            <a:r>
+              <a:rPr lang="en-US" sz="2000"/>
+              <a:t>           - State Machine</a:t>
+            </a:r>
+          </a:p>
+          <a:p>
+            <a:pPr marL="0" indent="0" algn="just">
+              <a:buNone/>
+            </a:pPr>
+            <a:r>
+              <a:rPr lang="en-US" sz="2000"/>
+              <a:t>           - Atomic CPU</a:t>
+            </a:r>
+          </a:p>
+          <a:p>
+            <a:pPr algn="just"/>
+            <a:r>
+              <a:rPr lang="en-US" sz="2000"/>
+              <a:t>Experimentation</a:t>
+            </a:r>
+          </a:p>
+          <a:p>
+            <a:pPr algn="just"/>
+            <a:r>
+              <a:rPr lang="en-US" sz="2000"/>
+              <a:t>Results</a:t>
+            </a:r>
+          </a:p>
+          <a:p>
+            <a:pPr algn="just"/>
+            <a:r>
+              <a:rPr lang="en-US" sz="2000"/>
+              <a:t>Conclusion </a:t>
+            </a:r>
+          </a:p>
+        </p:txBody>
+      </p:sp>
+    </p:spTree>
+    <p:extLst>
+      <p:ext uri="{BB962C8B-B14F-4D97-AF65-F5344CB8AC3E}">
+        <p14:creationId xmlns:p14="http://schemas.microsoft.com/office/powerpoint/2010/main" val="3910269540"/>
+      </p:ext>
+    </p:extLst>
+  </p:cSld>
+  <p:clrMapOvr>
+    <a:masterClrMapping/>
+  </p:clrMapOvr>
+  <mc:AlternateContent xmlns:mc="http://schemas.openxmlformats.org/markup-compatibility/2006" xmlns:p159="http://schemas.microsoft.com/office/powerpoint/2015/09/main">
+    <mc:Choice Requires="p159">
+      <p:transition spd="slow">
+        <p159:morph option="byObject"/>
+      </p:transition>
+    </mc:Choice>
+    <mc:Fallback xmlns="">
+      <p:transition spd="slow">
+        <p:fade/>
+      </p:transition>
+    </mc:Fallback>
+  </mc:AlternateContent>
+</p:sld>
+</file>
+
+<file path=ppt/slides/slide20.xml><?xml version="1.0" encoding="utf-8"?>
+<p:sld xmlns:a="http://schemas.openxmlformats.org/drawingml/2006/main" xmlns:r="http://schemas.openxmlformats.org/officeDocument/2006/relationships" xmlns:p="http://schemas.openxmlformats.org/presentationml/2006/main" showMasterSp="0">
+  <p:cSld>
+    <p:bg>
+      <p:bgPr>
+        <a:solidFill>
+          <a:schemeClr val="bg1"/>
+        </a:solidFill>
+        <a:effectLst/>
+      </p:bgPr>
+    </p:bg>
     <p:spTree>
       <p:nvGrpSpPr>
         <p:cNvPr id="1" name=""/>
@@ -5589,7 +7037,31 @@
             <a:pPr algn="ctr"/>
             <a:r>
               <a:rPr lang="en-US" sz="1400" dirty="0"/>
-              <a:t>Fig. 5. Energy Storages for Performance with sine input (threshold settings 1 and consumption settings 2)</a:t>
+              <a:t>Fig. 5. Energy </a:t>
+            </a:r>
+            <a:r>
+              <a:rPr lang="tr-TR" sz="1400" dirty="0"/>
+              <a:t>s</a:t>
+            </a:r>
+            <a:r>
+              <a:rPr lang="en-US" sz="1400" dirty="0" err="1"/>
+              <a:t>torages</a:t>
+            </a:r>
+            <a:r>
+              <a:rPr lang="en-US" sz="1400" dirty="0"/>
+              <a:t> for </a:t>
+            </a:r>
+            <a:r>
+              <a:rPr lang="tr-TR" sz="1400" dirty="0"/>
+              <a:t>p</a:t>
+            </a:r>
+            <a:r>
+              <a:rPr lang="en-US" sz="1400" dirty="0" err="1"/>
+              <a:t>erformance</a:t>
+            </a:r>
+            <a:r>
+              <a:rPr lang="en-US" sz="1400" dirty="0"/>
+              <a:t> with sine input (threshold settings 1 and consumption settings 2)</a:t>
             </a:r>
           </a:p>
           <a:p>
@@ -5623,9 +7095,17 @@
 </p:sld>
 </file>
 
-<file path=ppt/slides/slide17.xml><?xml version="1.0" encoding="utf-8"?>
-<p:sld xmlns:a="http://schemas.openxmlformats.org/drawingml/2006/main" xmlns:r="http://schemas.openxmlformats.org/officeDocument/2006/relationships" xmlns:p="http://schemas.openxmlformats.org/presentationml/2006/main">
+<file path=ppt/slides/slide21.xml><?xml version="1.0" encoding="utf-8"?>
+<p:sld xmlns:a="http://schemas.openxmlformats.org/drawingml/2006/main" xmlns:r="http://schemas.openxmlformats.org/officeDocument/2006/relationships" xmlns:p="http://schemas.openxmlformats.org/presentationml/2006/main" showMasterSp="0">
   <p:cSld>
+    <p:bg>
+      <p:bgPr>
+        <a:solidFill>
+          <a:schemeClr val="bg1"/>
+        </a:solidFill>
+        <a:effectLst/>
+      </p:bgPr>
+    </p:bg>
     <p:spTree>
       <p:nvGrpSpPr>
         <p:cNvPr id="1" name=""/>
@@ -5700,7 +7180,67 @@
             <a:pPr algn="ctr"/>
             <a:r>
               <a:rPr lang="en-US" sz="1400" dirty="0"/>
-              <a:t>Fig. 6. State Changes for Different Energy Storages for Performance with sine input (threshold settings 1 and consumption settings 2)</a:t>
+              <a:t>Fig. 6. State </a:t>
+            </a:r>
+            <a:r>
+              <a:rPr lang="tr-TR" sz="1400" dirty="0"/>
+              <a:t>d</a:t>
+            </a:r>
+            <a:r>
+              <a:rPr lang="en-US" sz="1400" dirty="0" err="1"/>
+              <a:t>hanges</a:t>
+            </a:r>
+            <a:r>
+              <a:rPr lang="en-US" sz="1400" dirty="0"/>
+              <a:t> for </a:t>
+            </a:r>
+            <a:r>
+              <a:rPr lang="tr-TR" sz="1400" dirty="0"/>
+              <a:t>d</a:t>
+            </a:r>
+            <a:r>
+              <a:rPr lang="en-US" sz="1400" dirty="0" err="1"/>
+              <a:t>ifferent</a:t>
+            </a:r>
+            <a:r>
+              <a:rPr lang="en-US" sz="1400" dirty="0"/>
+              <a:t> </a:t>
+            </a:r>
+            <a:r>
+              <a:rPr lang="tr-TR" sz="1400" dirty="0"/>
+              <a:t>e</a:t>
+            </a:r>
+            <a:r>
+              <a:rPr lang="en-US" sz="1400" dirty="0" err="1"/>
+              <a:t>nergy</a:t>
+            </a:r>
+            <a:r>
+              <a:rPr lang="en-US" sz="1400" dirty="0"/>
+              <a:t> </a:t>
+            </a:r>
+            <a:r>
+              <a:rPr lang="tr-TR" sz="1400" dirty="0"/>
+              <a:t>s</a:t>
+            </a:r>
+            <a:r>
+              <a:rPr lang="en-US" sz="1400" dirty="0" err="1"/>
+              <a:t>torages</a:t>
+            </a:r>
+            <a:r>
+              <a:rPr lang="en-US" sz="1400" dirty="0"/>
+              <a:t> for </a:t>
+            </a:r>
+            <a:r>
+              <a:rPr lang="tr-TR" sz="1400" dirty="0"/>
+              <a:t>p</a:t>
+            </a:r>
+            <a:r>
+              <a:rPr lang="en-US" sz="1400" dirty="0" err="1"/>
+              <a:t>erformance</a:t>
+            </a:r>
+            <a:r>
+              <a:rPr lang="en-US" sz="1400" dirty="0"/>
+              <a:t> with sine input (threshold settings 1 and consumption settings 2)</a:t>
             </a:r>
           </a:p>
         </p:txBody>
@@ -5730,9 +7270,17 @@
 </p:sld>
 </file>
 
-<file path=ppt/slides/slide18.xml><?xml version="1.0" encoding="utf-8"?>
-<p:sld xmlns:a="http://schemas.openxmlformats.org/drawingml/2006/main" xmlns:r="http://schemas.openxmlformats.org/officeDocument/2006/relationships" xmlns:p="http://schemas.openxmlformats.org/presentationml/2006/main">
+<file path=ppt/slides/slide22.xml><?xml version="1.0" encoding="utf-8"?>
+<p:sld xmlns:a="http://schemas.openxmlformats.org/drawingml/2006/main" xmlns:r="http://schemas.openxmlformats.org/officeDocument/2006/relationships" xmlns:p="http://schemas.openxmlformats.org/presentationml/2006/main" showMasterSp="0">
   <p:cSld>
+    <p:bg>
+      <p:bgPr>
+        <a:solidFill>
+          <a:schemeClr val="bg1"/>
+        </a:solidFill>
+        <a:effectLst/>
+      </p:bgPr>
+    </p:bg>
     <p:spTree>
       <p:nvGrpSpPr>
         <p:cNvPr id="1" name=""/>
@@ -5837,9 +7385,17 @@
 </p:sld>
 </file>
 
-<file path=ppt/slides/slide19.xml><?xml version="1.0" encoding="utf-8"?>
-<p:sld xmlns:a="http://schemas.openxmlformats.org/drawingml/2006/main" xmlns:r="http://schemas.openxmlformats.org/officeDocument/2006/relationships" xmlns:p="http://schemas.openxmlformats.org/presentationml/2006/main">
+<file path=ppt/slides/slide23.xml><?xml version="1.0" encoding="utf-8"?>
+<p:sld xmlns:a="http://schemas.openxmlformats.org/drawingml/2006/main" xmlns:r="http://schemas.openxmlformats.org/officeDocument/2006/relationships" xmlns:p="http://schemas.openxmlformats.org/presentationml/2006/main" showMasterSp="0">
   <p:cSld>
+    <p:bg>
+      <p:bgPr>
+        <a:solidFill>
+          <a:schemeClr val="bg1"/>
+        </a:solidFill>
+        <a:effectLst/>
+      </p:bgPr>
+    </p:bg>
     <p:spTree>
       <p:nvGrpSpPr>
         <p:cNvPr id="1" name=""/>
@@ -5914,7 +7470,31 @@
             <a:pPr algn="ctr"/>
             <a:r>
               <a:rPr lang="en-US" sz="1400" dirty="0"/>
-              <a:t>Fig. 8. Energy Storages for Performance with sine input (threshold settings 2 and consumption settings 1)</a:t>
+              <a:t>Fig. 8. Energy </a:t>
+            </a:r>
+            <a:r>
+              <a:rPr lang="tr-TR" sz="1400" dirty="0"/>
+              <a:t>s</a:t>
+            </a:r>
+            <a:r>
+              <a:rPr lang="en-US" sz="1400" dirty="0" err="1"/>
+              <a:t>torages</a:t>
+            </a:r>
+            <a:r>
+              <a:rPr lang="en-US" sz="1400" dirty="0"/>
+              <a:t> for </a:t>
+            </a:r>
+            <a:r>
+              <a:rPr lang="tr-TR" sz="1400" dirty="0"/>
+              <a:t>p</a:t>
+            </a:r>
+            <a:r>
+              <a:rPr lang="en-US" sz="1400" dirty="0" err="1"/>
+              <a:t>erformance</a:t>
+            </a:r>
+            <a:r>
+              <a:rPr lang="en-US" sz="1400" dirty="0"/>
+              <a:t> with sine input (threshold settings 2 and consumption settings 1)</a:t>
             </a:r>
           </a:p>
           <a:p>
@@ -5948,195 +7528,17 @@
 </p:sld>
 </file>
 
-<file path=ppt/slides/slide2.xml><?xml version="1.0" encoding="utf-8"?>
-<p:sld xmlns:a="http://schemas.openxmlformats.org/drawingml/2006/main" xmlns:r="http://schemas.openxmlformats.org/officeDocument/2006/relationships" xmlns:p="http://schemas.openxmlformats.org/presentationml/2006/main">
+<file path=ppt/slides/slide24.xml><?xml version="1.0" encoding="utf-8"?>
+<p:sld xmlns:a="http://schemas.openxmlformats.org/drawingml/2006/main" xmlns:r="http://schemas.openxmlformats.org/officeDocument/2006/relationships" xmlns:p="http://schemas.openxmlformats.org/presentationml/2006/main" showMasterSp="0">
   <p:cSld>
-    <p:spTree>
-      <p:nvGrpSpPr>
-        <p:cNvPr id="1" name=""/>
-        <p:cNvGrpSpPr/>
-        <p:nvPr/>
-      </p:nvGrpSpPr>
-      <p:grpSpPr>
-        <a:xfrm>
-          <a:off x="0" y="0"/>
-          <a:ext cx="0" cy="0"/>
-          <a:chOff x="0" y="0"/>
-          <a:chExt cx="0" cy="0"/>
-        </a:xfrm>
-      </p:grpSpPr>
-      <p:sp>
-        <p:nvSpPr>
-          <p:cNvPr id="2" name="Title 1">
-            <a:extLst>
-              <a:ext uri="{FF2B5EF4-FFF2-40B4-BE49-F238E27FC236}">
-                <a16:creationId xmlns:a16="http://schemas.microsoft.com/office/drawing/2014/main" id="{5D7F0FF2-17A0-48DD-9916-F4D0298D490E}"/>
-              </a:ext>
-            </a:extLst>
-          </p:cNvPr>
-          <p:cNvSpPr>
-            <a:spLocks noGrp="1"/>
-          </p:cNvSpPr>
-          <p:nvPr>
-            <p:ph type="title"/>
-          </p:nvPr>
-        </p:nvSpPr>
-        <p:spPr/>
-        <p:txBody>
-          <a:bodyPr/>
-          <a:lstStyle/>
-          <a:p>
-            <a:r>
-              <a:rPr lang="en-US" dirty="0"/>
-              <a:t>Abstract</a:t>
-            </a:r>
-          </a:p>
-        </p:txBody>
-      </p:sp>
-      <p:sp>
-        <p:nvSpPr>
-          <p:cNvPr id="3" name="Content Placeholder 2">
-            <a:extLst>
-              <a:ext uri="{FF2B5EF4-FFF2-40B4-BE49-F238E27FC236}">
-                <a16:creationId xmlns:a16="http://schemas.microsoft.com/office/drawing/2014/main" id="{86018072-858A-4A1D-8349-A978DAAF905A}"/>
-              </a:ext>
-            </a:extLst>
-          </p:cNvPr>
-          <p:cNvSpPr>
-            <a:spLocks noGrp="1"/>
-          </p:cNvSpPr>
-          <p:nvPr>
-            <p:ph idx="1"/>
-          </p:nvPr>
-        </p:nvSpPr>
-        <p:spPr/>
-        <p:txBody>
-          <a:bodyPr>
-            <a:normAutofit fontScale="77500" lnSpcReduction="20000"/>
-          </a:bodyPr>
-          <a:lstStyle/>
-          <a:p>
-            <a:pPr algn="just"/>
-            <a:r>
-              <a:rPr lang="en-US" sz="2000" dirty="0"/>
-              <a:t>Non-volatile processors (NVP) provides an optimal power budget along with increased performance. </a:t>
-            </a:r>
-          </a:p>
-          <a:p>
-            <a:pPr algn="just"/>
-            <a:r>
-              <a:rPr lang="en-US" sz="2000" dirty="0" err="1"/>
-              <a:t>ConfigNVPSim</a:t>
-            </a:r>
-            <a:r>
-              <a:rPr lang="en-US" sz="2000" dirty="0"/>
-              <a:t>, a non-volatile simulator on a gem5 platform, provides a solution to realizing a non-volatile simulator. </a:t>
-            </a:r>
-          </a:p>
-          <a:p>
-            <a:pPr algn="just"/>
-            <a:r>
-              <a:rPr lang="en-US" sz="2000" dirty="0"/>
-              <a:t>NVP systems ensure forward progress even at intermittent energy levels. </a:t>
-            </a:r>
-          </a:p>
-          <a:p>
-            <a:pPr algn="just"/>
-            <a:r>
-              <a:rPr lang="en-US" sz="2000" dirty="0" err="1"/>
-              <a:t>ConfigNVP</a:t>
-            </a:r>
-            <a:r>
-              <a:rPr lang="en-US" sz="2000" dirty="0"/>
-              <a:t> aims at improving </a:t>
-            </a:r>
-            <a:r>
-              <a:rPr lang="en-US" sz="2000" dirty="0" err="1"/>
-              <a:t>NVPSim</a:t>
-            </a:r>
-            <a:r>
-              <a:rPr lang="en-US" sz="2000" dirty="0"/>
-              <a:t> system by adding configurability at all levels. </a:t>
-            </a:r>
-          </a:p>
-          <a:p>
-            <a:pPr algn="just"/>
-            <a:r>
-              <a:rPr lang="en-US" sz="2000" dirty="0" err="1"/>
-              <a:t>ConfigNVP</a:t>
-            </a:r>
-            <a:r>
-              <a:rPr lang="en-US" sz="2000" dirty="0"/>
-              <a:t> implements new power levels to CPU based on the system energy level. </a:t>
-            </a:r>
-          </a:p>
-          <a:p>
-            <a:pPr algn="just"/>
-            <a:r>
-              <a:rPr lang="en-US" sz="2000" dirty="0"/>
-              <a:t>Energy management unit in </a:t>
-            </a:r>
-            <a:r>
-              <a:rPr lang="en-US" sz="2000" dirty="0" err="1"/>
-              <a:t>ConfigNVPSim</a:t>
-            </a:r>
-            <a:r>
-              <a:rPr lang="en-US" sz="2000" dirty="0"/>
-              <a:t> monitors the system energy. </a:t>
-            </a:r>
-          </a:p>
-          <a:p>
-            <a:pPr algn="just"/>
-            <a:r>
-              <a:rPr lang="en-US" sz="2000" dirty="0"/>
-              <a:t>The state machine implemented in the energy management unit ensures that the power levels are switched between off, on and power retention states based on preconfigured energy thresholds. </a:t>
-            </a:r>
-          </a:p>
-          <a:p>
-            <a:pPr algn="just"/>
-            <a:r>
-              <a:rPr lang="en-US" sz="2000" dirty="0"/>
-              <a:t>This implementation of </a:t>
-            </a:r>
-            <a:r>
-              <a:rPr lang="en-US" sz="2000" dirty="0" err="1"/>
-              <a:t>ConfigNVPSim</a:t>
-            </a:r>
-            <a:r>
-              <a:rPr lang="en-US" sz="2000" dirty="0"/>
-              <a:t> can be modified in future revisions to add backup and restore mechanisms to different system modules like DRAM and caches.</a:t>
-            </a:r>
-          </a:p>
-        </p:txBody>
-      </p:sp>
-    </p:spTree>
-    <p:extLst>
-      <p:ext uri="{BB962C8B-B14F-4D97-AF65-F5344CB8AC3E}">
-        <p14:creationId xmlns:p14="http://schemas.microsoft.com/office/powerpoint/2010/main" val="3910269540"/>
-      </p:ext>
-    </p:extLst>
-  </p:cSld>
-  <p:clrMapOvr>
-    <a:masterClrMapping/>
-  </p:clrMapOvr>
-  <mc:AlternateContent xmlns:mc="http://schemas.openxmlformats.org/markup-compatibility/2006" xmlns:p159="http://schemas.microsoft.com/office/powerpoint/2015/09/main">
-    <mc:Choice Requires="p159">
-      <p:transition spd="slow">
-        <p159:morph option="byObject"/>
-      </p:transition>
-    </mc:Choice>
-    <mc:Fallback xmlns="">
-      <p:transition spd="slow">
-        <p:fade/>
-      </p:transition>
-    </mc:Fallback>
-  </mc:AlternateContent>
-</p:sld>
-</file>
-
-<file path=ppt/slides/slide20.xml><?xml version="1.0" encoding="utf-8"?>
-<p:sld xmlns:a="http://schemas.openxmlformats.org/drawingml/2006/main" xmlns:r="http://schemas.openxmlformats.org/officeDocument/2006/relationships" xmlns:p="http://schemas.openxmlformats.org/presentationml/2006/main">
-  <p:cSld>
+    <p:bg>
+      <p:bgPr>
+        <a:solidFill>
+          <a:schemeClr val="bg1"/>
+        </a:solidFill>
+        <a:effectLst/>
+      </p:bgPr>
+    </p:bg>
     <p:spTree>
       <p:nvGrpSpPr>
         <p:cNvPr id="1" name=""/>
@@ -6211,7 +7613,67 @@
             <a:pPr algn="ctr"/>
             <a:r>
               <a:rPr lang="en-US" sz="1400" dirty="0"/>
-              <a:t>Fig. 9. State Changes for Different Energy Storages for Performance with sine input (threshold settings 2 and consumption settings 1)</a:t>
+              <a:t>Fig. 9. State </a:t>
+            </a:r>
+            <a:r>
+              <a:rPr lang="tr-TR" sz="1400" dirty="0"/>
+              <a:t>c</a:t>
+            </a:r>
+            <a:r>
+              <a:rPr lang="en-US" sz="1400" dirty="0" err="1"/>
+              <a:t>hanges</a:t>
+            </a:r>
+            <a:r>
+              <a:rPr lang="en-US" sz="1400" dirty="0"/>
+              <a:t> for </a:t>
+            </a:r>
+            <a:r>
+              <a:rPr lang="tr-TR" sz="1400" dirty="0"/>
+              <a:t>d</a:t>
+            </a:r>
+            <a:r>
+              <a:rPr lang="en-US" sz="1400" dirty="0" err="1"/>
+              <a:t>ifferent</a:t>
+            </a:r>
+            <a:r>
+              <a:rPr lang="en-US" sz="1400" dirty="0"/>
+              <a:t> </a:t>
+            </a:r>
+            <a:r>
+              <a:rPr lang="tr-TR" sz="1400" dirty="0"/>
+              <a:t>e</a:t>
+            </a:r>
+            <a:r>
+              <a:rPr lang="en-US" sz="1400" dirty="0" err="1"/>
+              <a:t>nergy</a:t>
+            </a:r>
+            <a:r>
+              <a:rPr lang="en-US" sz="1400" dirty="0"/>
+              <a:t> </a:t>
+            </a:r>
+            <a:r>
+              <a:rPr lang="tr-TR" sz="1400" dirty="0"/>
+              <a:t>s</a:t>
+            </a:r>
+            <a:r>
+              <a:rPr lang="en-US" sz="1400" dirty="0" err="1"/>
+              <a:t>torages</a:t>
+            </a:r>
+            <a:r>
+              <a:rPr lang="en-US" sz="1400" dirty="0"/>
+              <a:t> for </a:t>
+            </a:r>
+            <a:r>
+              <a:rPr lang="tr-TR" sz="1400" dirty="0"/>
+              <a:t>p</a:t>
+            </a:r>
+            <a:r>
+              <a:rPr lang="en-US" sz="1400" dirty="0" err="1"/>
+              <a:t>erformance</a:t>
+            </a:r>
+            <a:r>
+              <a:rPr lang="en-US" sz="1400" dirty="0"/>
+              <a:t> with sine input (threshold settings 2 and consumption settings 1)</a:t>
             </a:r>
           </a:p>
         </p:txBody>
@@ -6241,9 +7703,17 @@
 </p:sld>
 </file>
 
-<file path=ppt/slides/slide21.xml><?xml version="1.0" encoding="utf-8"?>
-<p:sld xmlns:a="http://schemas.openxmlformats.org/drawingml/2006/main" xmlns:r="http://schemas.openxmlformats.org/officeDocument/2006/relationships" xmlns:p="http://schemas.openxmlformats.org/presentationml/2006/main">
+<file path=ppt/slides/slide25.xml><?xml version="1.0" encoding="utf-8"?>
+<p:sld xmlns:a="http://schemas.openxmlformats.org/drawingml/2006/main" xmlns:r="http://schemas.openxmlformats.org/officeDocument/2006/relationships" xmlns:p="http://schemas.openxmlformats.org/presentationml/2006/main" showMasterSp="0">
   <p:cSld>
+    <p:bg>
+      <p:bgPr>
+        <a:solidFill>
+          <a:schemeClr val="bg1"/>
+        </a:solidFill>
+        <a:effectLst/>
+      </p:bgPr>
+    </p:bg>
     <p:spTree>
       <p:nvGrpSpPr>
         <p:cNvPr id="1" name=""/>
@@ -6318,8 +7788,25 @@
             <a:pPr algn="ctr"/>
             <a:r>
               <a:rPr lang="en-US" sz="1400" dirty="0"/>
-              <a:t>Fig. 10. Original Gem5 Input</a:t>
-            </a:r>
+              <a:t>Fig. 10. </a:t>
+            </a:r>
+            <a:r>
+              <a:rPr lang="en-US" sz="1400" dirty="0" err="1">
+                <a:solidFill>
+                  <a:srgbClr val="000000"/>
+                </a:solidFill>
+              </a:rPr>
+              <a:t>ConfigNVPSim's</a:t>
+            </a:r>
+            <a:r>
+              <a:rPr lang="en-US" sz="1400" dirty="0">
+                <a:solidFill>
+                  <a:srgbClr val="000000"/>
+                </a:solidFill>
+              </a:rPr>
+              <a:t> response to real power input</a:t>
+            </a:r>
+            <a:endParaRPr lang="en-US" sz="1400" dirty="0"/>
           </a:p>
         </p:txBody>
       </p:sp>
@@ -6348,9 +7835,17 @@
 </p:sld>
 </file>
 
-<file path=ppt/slides/slide22.xml><?xml version="1.0" encoding="utf-8"?>
-<p:sld xmlns:a="http://schemas.openxmlformats.org/drawingml/2006/main" xmlns:r="http://schemas.openxmlformats.org/officeDocument/2006/relationships" xmlns:p="http://schemas.openxmlformats.org/presentationml/2006/main">
+<file path=ppt/slides/slide26.xml><?xml version="1.0" encoding="utf-8"?>
+<p:sld xmlns:a="http://schemas.openxmlformats.org/drawingml/2006/main" xmlns:r="http://schemas.openxmlformats.org/officeDocument/2006/relationships" xmlns:p="http://schemas.openxmlformats.org/presentationml/2006/main" showMasterSp="0">
   <p:cSld>
+    <p:bg>
+      <p:bgPr>
+        <a:solidFill>
+          <a:schemeClr val="bg1"/>
+        </a:solidFill>
+        <a:effectLst/>
+      </p:bgPr>
+    </p:bg>
     <p:spTree>
       <p:nvGrpSpPr>
         <p:cNvPr id="1" name=""/>
@@ -6428,7 +7923,31 @@
                   <a:srgbClr val="000000"/>
                 </a:solidFill>
               </a:rPr>
-              <a:t>Fig. 11. Energy Storages for </a:t>
+              <a:t>Fig. 11. Energy </a:t>
+            </a:r>
+            <a:r>
+              <a:rPr lang="tr-TR" sz="1400" dirty="0">
+                <a:solidFill>
+                  <a:srgbClr val="000000"/>
+                </a:solidFill>
+              </a:rPr>
+              <a:t>s</a:t>
+            </a:r>
+            <a:r>
+              <a:rPr lang="en-US" sz="1400" dirty="0" err="1">
+                <a:solidFill>
+                  <a:srgbClr val="000000"/>
+                </a:solidFill>
+              </a:rPr>
+              <a:t>torages</a:t>
+            </a:r>
+            <a:r>
+              <a:rPr lang="en-US" sz="1400" dirty="0">
+                <a:solidFill>
+                  <a:srgbClr val="000000"/>
+                </a:solidFill>
+              </a:rPr>
+              <a:t> for </a:t>
             </a:r>
             <a:r>
               <a:rPr lang="en-US" sz="1400" dirty="0" err="1">
@@ -6474,9 +7993,17 @@
 </p:sld>
 </file>
 
-<file path=ppt/slides/slide23.xml><?xml version="1.0" encoding="utf-8"?>
-<p:sld xmlns:a="http://schemas.openxmlformats.org/drawingml/2006/main" xmlns:r="http://schemas.openxmlformats.org/officeDocument/2006/relationships" xmlns:p="http://schemas.openxmlformats.org/presentationml/2006/main">
+<file path=ppt/slides/slide27.xml><?xml version="1.0" encoding="utf-8"?>
+<p:sld xmlns:a="http://schemas.openxmlformats.org/drawingml/2006/main" xmlns:r="http://schemas.openxmlformats.org/officeDocument/2006/relationships" xmlns:p="http://schemas.openxmlformats.org/presentationml/2006/main" showMasterSp="0">
   <p:cSld>
+    <p:bg>
+      <p:bgPr>
+        <a:solidFill>
+          <a:schemeClr val="bg1"/>
+        </a:solidFill>
+        <a:effectLst/>
+      </p:bgPr>
+    </p:bg>
     <p:spTree>
       <p:nvGrpSpPr>
         <p:cNvPr id="1" name=""/>
@@ -6551,7 +8078,19 @@
             <a:pPr algn="ctr"/>
             <a:r>
               <a:rPr lang="en-US" sz="1400" dirty="0"/>
-              <a:t>Fig. 12. State Changes for </a:t>
+              <a:t>Fig. 12. State </a:t>
+            </a:r>
+            <a:r>
+              <a:rPr lang="tr-TR" sz="1400" dirty="0"/>
+              <a:t>c</a:t>
+            </a:r>
+            <a:r>
+              <a:rPr lang="en-US" sz="1400" dirty="0" err="1"/>
+              <a:t>hanges</a:t>
+            </a:r>
+            <a:r>
+              <a:rPr lang="en-US" sz="1400" dirty="0"/>
+              <a:t> for </a:t>
             </a:r>
             <a:r>
               <a:rPr lang="en-US" sz="1400" dirty="0" err="1"/>
@@ -6589,9 +8128,17 @@
 </p:sld>
 </file>
 
-<file path=ppt/slides/slide24.xml><?xml version="1.0" encoding="utf-8"?>
-<p:sld xmlns:a="http://schemas.openxmlformats.org/drawingml/2006/main" xmlns:r="http://schemas.openxmlformats.org/officeDocument/2006/relationships" xmlns:p="http://schemas.openxmlformats.org/presentationml/2006/main">
+<file path=ppt/slides/slide28.xml><?xml version="1.0" encoding="utf-8"?>
+<p:sld xmlns:a="http://schemas.openxmlformats.org/drawingml/2006/main" xmlns:r="http://schemas.openxmlformats.org/officeDocument/2006/relationships" xmlns:p="http://schemas.openxmlformats.org/presentationml/2006/main" showMasterSp="0">
   <p:cSld>
+    <p:bg>
+      <p:bgPr>
+        <a:solidFill>
+          <a:schemeClr val="bg1"/>
+        </a:solidFill>
+        <a:effectLst/>
+      </p:bgPr>
+    </p:bg>
     <p:spTree>
       <p:nvGrpSpPr>
         <p:cNvPr id="1" name=""/>
@@ -6606,6 +8153,419 @@
           <a:chExt cx="0" cy="0"/>
         </a:xfrm>
       </p:grpSpPr>
+      <p:pic>
+        <p:nvPicPr>
+          <p:cNvPr id="3" name="Picture 2">
+            <a:extLst>
+              <a:ext uri="{FF2B5EF4-FFF2-40B4-BE49-F238E27FC236}">
+                <a16:creationId xmlns:a16="http://schemas.microsoft.com/office/drawing/2014/main" id="{B59D0B51-6C8F-4DCD-916C-32ECCF2755CA}"/>
+              </a:ext>
+            </a:extLst>
+          </p:cNvPr>
+          <p:cNvPicPr>
+            <a:picLocks noChangeAspect="1"/>
+          </p:cNvPicPr>
+          <p:nvPr/>
+        </p:nvPicPr>
+        <p:blipFill>
+          <a:blip r:embed="rId2">
+            <a:extLst>
+              <a:ext uri="{28A0092B-C50C-407E-A947-70E740481C1C}">
+                <a14:useLocalDpi xmlns:a14="http://schemas.microsoft.com/office/drawing/2010/main" val="0"/>
+              </a:ext>
+            </a:extLst>
+          </a:blip>
+          <a:stretch>
+            <a:fillRect/>
+          </a:stretch>
+        </p:blipFill>
+        <p:spPr>
+          <a:xfrm>
+            <a:off x="2024173" y="1143000"/>
+            <a:ext cx="8143654" cy="4572000"/>
+          </a:xfrm>
+          <a:prstGeom prst="rect">
+            <a:avLst/>
+          </a:prstGeom>
+        </p:spPr>
+      </p:pic>
+      <p:sp>
+        <p:nvSpPr>
+          <p:cNvPr id="4" name="TextBox 3">
+            <a:extLst>
+              <a:ext uri="{FF2B5EF4-FFF2-40B4-BE49-F238E27FC236}">
+                <a16:creationId xmlns:a16="http://schemas.microsoft.com/office/drawing/2014/main" id="{859C57A9-67EB-406A-A3F0-F5596DBF3301}"/>
+              </a:ext>
+            </a:extLst>
+          </p:cNvPr>
+          <p:cNvSpPr txBox="1"/>
+          <p:nvPr/>
+        </p:nvSpPr>
+        <p:spPr>
+          <a:xfrm>
+            <a:off x="2177142" y="6289964"/>
+            <a:ext cx="7837715" cy="307777"/>
+          </a:xfrm>
+          <a:prstGeom prst="rect">
+            <a:avLst/>
+          </a:prstGeom>
+          <a:noFill/>
+        </p:spPr>
+        <p:txBody>
+          <a:bodyPr wrap="square" rtlCol="0">
+            <a:spAutoFit/>
+          </a:bodyPr>
+          <a:lstStyle/>
+          <a:p>
+            <a:pPr algn="ctr"/>
+            <a:r>
+              <a:rPr lang="en-US" sz="1400" dirty="0"/>
+              <a:t>Fig. 1</a:t>
+            </a:r>
+            <a:r>
+              <a:rPr lang="tr-TR" sz="1400" dirty="0"/>
+              <a:t>3</a:t>
+            </a:r>
+            <a:r>
+              <a:rPr lang="en-US" sz="1400" dirty="0"/>
+              <a:t>. FW Counter increase pattern in GEM5 system</a:t>
+            </a:r>
+          </a:p>
+        </p:txBody>
+      </p:sp>
+    </p:spTree>
+    <p:extLst>
+      <p:ext uri="{BB962C8B-B14F-4D97-AF65-F5344CB8AC3E}">
+        <p14:creationId xmlns:p14="http://schemas.microsoft.com/office/powerpoint/2010/main" val="1524971027"/>
+      </p:ext>
+    </p:extLst>
+  </p:cSld>
+  <p:clrMapOvr>
+    <a:masterClrMapping/>
+  </p:clrMapOvr>
+</p:sld>
+</file>
+
+<file path=ppt/slides/slide29.xml><?xml version="1.0" encoding="utf-8"?>
+<p:sld xmlns:a="http://schemas.openxmlformats.org/drawingml/2006/main" xmlns:r="http://schemas.openxmlformats.org/officeDocument/2006/relationships" xmlns:p="http://schemas.openxmlformats.org/presentationml/2006/main" showMasterSp="0">
+  <p:cSld>
+    <p:bg>
+      <p:bgPr>
+        <a:solidFill>
+          <a:schemeClr val="bg1"/>
+        </a:solidFill>
+        <a:effectLst/>
+      </p:bgPr>
+    </p:bg>
+    <p:spTree>
+      <p:nvGrpSpPr>
+        <p:cNvPr id="1" name=""/>
+        <p:cNvGrpSpPr/>
+        <p:nvPr/>
+      </p:nvGrpSpPr>
+      <p:grpSpPr>
+        <a:xfrm>
+          <a:off x="0" y="0"/>
+          <a:ext cx="0" cy="0"/>
+          <a:chOff x="0" y="0"/>
+          <a:chExt cx="0" cy="0"/>
+        </a:xfrm>
+      </p:grpSpPr>
+      <p:pic>
+        <p:nvPicPr>
+          <p:cNvPr id="3" name="Picture 2">
+            <a:extLst>
+              <a:ext uri="{FF2B5EF4-FFF2-40B4-BE49-F238E27FC236}">
+                <a16:creationId xmlns:a16="http://schemas.microsoft.com/office/drawing/2014/main" id="{CB4A87CA-B068-45D2-BFB5-0B77B0B3E32F}"/>
+              </a:ext>
+            </a:extLst>
+          </p:cNvPr>
+          <p:cNvPicPr>
+            <a:picLocks noChangeAspect="1"/>
+          </p:cNvPicPr>
+          <p:nvPr/>
+        </p:nvPicPr>
+        <p:blipFill>
+          <a:blip r:embed="rId2">
+            <a:extLst>
+              <a:ext uri="{28A0092B-C50C-407E-A947-70E740481C1C}">
+                <a14:useLocalDpi xmlns:a14="http://schemas.microsoft.com/office/drawing/2010/main" val="0"/>
+              </a:ext>
+            </a:extLst>
+          </a:blip>
+          <a:stretch>
+            <a:fillRect/>
+          </a:stretch>
+        </p:blipFill>
+        <p:spPr>
+          <a:xfrm>
+            <a:off x="1882726" y="1143000"/>
+            <a:ext cx="8426548" cy="4572000"/>
+          </a:xfrm>
+          <a:prstGeom prst="rect">
+            <a:avLst/>
+          </a:prstGeom>
+        </p:spPr>
+      </p:pic>
+      <p:sp>
+        <p:nvSpPr>
+          <p:cNvPr id="4" name="TextBox 3">
+            <a:extLst>
+              <a:ext uri="{FF2B5EF4-FFF2-40B4-BE49-F238E27FC236}">
+                <a16:creationId xmlns:a16="http://schemas.microsoft.com/office/drawing/2014/main" id="{2C12966F-2E35-4F34-981D-397050AC0B46}"/>
+              </a:ext>
+            </a:extLst>
+          </p:cNvPr>
+          <p:cNvSpPr txBox="1"/>
+          <p:nvPr/>
+        </p:nvSpPr>
+        <p:spPr>
+          <a:xfrm>
+            <a:off x="2177142" y="6289964"/>
+            <a:ext cx="7837715" cy="307777"/>
+          </a:xfrm>
+          <a:prstGeom prst="rect">
+            <a:avLst/>
+          </a:prstGeom>
+          <a:noFill/>
+        </p:spPr>
+        <p:txBody>
+          <a:bodyPr wrap="square" rtlCol="0">
+            <a:spAutoFit/>
+          </a:bodyPr>
+          <a:lstStyle/>
+          <a:p>
+            <a:pPr algn="ctr"/>
+            <a:r>
+              <a:rPr lang="en-US" sz="1400" dirty="0"/>
+              <a:t>Fig. 14. FW Counter increase pattern in </a:t>
+            </a:r>
+            <a:r>
+              <a:rPr lang="en-US" sz="1400" dirty="0" err="1"/>
+              <a:t>ConfigNVP</a:t>
+            </a:r>
+            <a:r>
+              <a:rPr lang="en-US" sz="1400" dirty="0"/>
+              <a:t> system</a:t>
+            </a:r>
+          </a:p>
+        </p:txBody>
+      </p:sp>
+    </p:spTree>
+    <p:extLst>
+      <p:ext uri="{BB962C8B-B14F-4D97-AF65-F5344CB8AC3E}">
+        <p14:creationId xmlns:p14="http://schemas.microsoft.com/office/powerpoint/2010/main" val="1521880569"/>
+      </p:ext>
+    </p:extLst>
+  </p:cSld>
+  <p:clrMapOvr>
+    <a:masterClrMapping/>
+  </p:clrMapOvr>
+</p:sld>
+</file>
+
+<file path=ppt/slides/slide3.xml><?xml version="1.0" encoding="utf-8"?>
+<p:sld xmlns:a="http://schemas.openxmlformats.org/drawingml/2006/main" xmlns:r="http://schemas.openxmlformats.org/officeDocument/2006/relationships" xmlns:p="http://schemas.openxmlformats.org/presentationml/2006/main" showMasterSp="0">
+  <p:cSld>
+    <p:bg>
+      <p:bgPr>
+        <a:solidFill>
+          <a:schemeClr val="bg1"/>
+        </a:solidFill>
+        <a:effectLst/>
+      </p:bgPr>
+    </p:bg>
+    <p:spTree>
+      <p:nvGrpSpPr>
+        <p:cNvPr id="1" name=""/>
+        <p:cNvGrpSpPr/>
+        <p:nvPr/>
+      </p:nvGrpSpPr>
+      <p:grpSpPr>
+        <a:xfrm>
+          <a:off x="0" y="0"/>
+          <a:ext cx="0" cy="0"/>
+          <a:chOff x="0" y="0"/>
+          <a:chExt cx="0" cy="0"/>
+        </a:xfrm>
+      </p:grpSpPr>
+      <p:sp>
+        <p:nvSpPr>
+          <p:cNvPr id="2" name="Title 1">
+            <a:extLst>
+              <a:ext uri="{FF2B5EF4-FFF2-40B4-BE49-F238E27FC236}">
+                <a16:creationId xmlns:a16="http://schemas.microsoft.com/office/drawing/2014/main" id="{E0421265-7EAA-4ACE-9753-CD200554B148}"/>
+              </a:ext>
+            </a:extLst>
+          </p:cNvPr>
+          <p:cNvSpPr>
+            <a:spLocks noGrp="1"/>
+          </p:cNvSpPr>
+          <p:nvPr>
+            <p:ph type="title"/>
+          </p:nvPr>
+        </p:nvSpPr>
+        <p:spPr>
+          <a:xfrm>
+            <a:off x="1261872" y="269594"/>
+            <a:ext cx="9418320" cy="1105502"/>
+          </a:xfrm>
+        </p:spPr>
+        <p:txBody>
+          <a:bodyPr/>
+          <a:lstStyle/>
+          <a:p>
+            <a:pPr algn="ctr"/>
+            <a:r>
+              <a:rPr lang="en-US" sz="4400"/>
+              <a:t>Motivation</a:t>
+            </a:r>
+            <a:endParaRPr lang="en-US"/>
+          </a:p>
+        </p:txBody>
+      </p:sp>
+      <p:sp>
+        <p:nvSpPr>
+          <p:cNvPr id="3" name="Text Placeholder 2">
+            <a:extLst>
+              <a:ext uri="{FF2B5EF4-FFF2-40B4-BE49-F238E27FC236}">
+                <a16:creationId xmlns:a16="http://schemas.microsoft.com/office/drawing/2014/main" id="{AEEE111C-9DB7-4B3D-96C3-55F75AACCAD8}"/>
+              </a:ext>
+            </a:extLst>
+          </p:cNvPr>
+          <p:cNvSpPr>
+            <a:spLocks noGrp="1"/>
+          </p:cNvSpPr>
+          <p:nvPr>
+            <p:ph type="body" idx="1"/>
+          </p:nvPr>
+        </p:nvSpPr>
+        <p:spPr>
+          <a:xfrm>
+            <a:off x="1261872" y="1514913"/>
+            <a:ext cx="9418320" cy="5075198"/>
+          </a:xfrm>
+        </p:spPr>
+        <p:txBody>
+          <a:bodyPr>
+            <a:normAutofit/>
+          </a:bodyPr>
+          <a:lstStyle/>
+          <a:p>
+            <a:pPr marL="342900" indent="-342900">
+              <a:buChar char="•"/>
+            </a:pPr>
+            <a:r>
+              <a:rPr lang="en-US" sz="2400" b="1">
+                <a:solidFill>
+                  <a:schemeClr val="tx1"/>
+                </a:solidFill>
+              </a:rPr>
+              <a:t>Energy harvesting applications</a:t>
+            </a:r>
+          </a:p>
+          <a:p>
+            <a:r>
+              <a:rPr lang="en-US" sz="2400">
+                <a:solidFill>
+                  <a:schemeClr val="tx1"/>
+                </a:solidFill>
+              </a:rPr>
+              <a:t>       Using intermittent energy sources like solar or thermal energy to run the system. </a:t>
+            </a:r>
+          </a:p>
+          <a:p>
+            <a:pPr marL="342900" indent="-342900">
+              <a:buChar char="•"/>
+            </a:pPr>
+            <a:r>
+              <a:rPr lang="en-US" sz="2400" b="1">
+                <a:solidFill>
+                  <a:schemeClr val="tx1"/>
+                </a:solidFill>
+              </a:rPr>
+              <a:t>Wide range of use cases</a:t>
+            </a:r>
+          </a:p>
+          <a:p>
+            <a:r>
+              <a:rPr lang="en-US" sz="2400">
+                <a:solidFill>
+                  <a:schemeClr val="tx1"/>
+                </a:solidFill>
+              </a:rPr>
+              <a:t>     The system powered by clean renewable energy is very power efficient and could help run devices ranging from a smart watch to an IOT device.</a:t>
+            </a:r>
+          </a:p>
+          <a:p>
+            <a:pPr marL="342900" indent="-342900">
+              <a:buChar char="•"/>
+            </a:pPr>
+            <a:r>
+              <a:rPr lang="en-US" sz="2400" b="1">
+                <a:solidFill>
+                  <a:schemeClr val="tx1"/>
+                </a:solidFill>
+              </a:rPr>
+              <a:t>Potential research area</a:t>
+            </a:r>
+          </a:p>
+          <a:p>
+            <a:r>
+              <a:rPr lang="en-US" sz="2400">
+                <a:solidFill>
+                  <a:schemeClr val="tx1"/>
+                </a:solidFill>
+              </a:rPr>
+              <a:t>     Implementing an end to end system run by such a power source would mean developing software and hardware support which would run any application seamlessly. </a:t>
+            </a:r>
+          </a:p>
+          <a:p>
+            <a:endParaRPr lang="en-US"/>
+          </a:p>
+          <a:p>
+            <a:endParaRPr lang="en-US"/>
+          </a:p>
+        </p:txBody>
+      </p:sp>
+    </p:spTree>
+    <p:extLst>
+      <p:ext uri="{BB962C8B-B14F-4D97-AF65-F5344CB8AC3E}">
+        <p14:creationId xmlns:p14="http://schemas.microsoft.com/office/powerpoint/2010/main" val="2768872331"/>
+      </p:ext>
+    </p:extLst>
+  </p:cSld>
+  <p:clrMapOvr>
+    <a:masterClrMapping/>
+  </p:clrMapOvr>
+</p:sld>
+</file>
+
+<file path=ppt/slides/slide30.xml><?xml version="1.0" encoding="utf-8"?>
+<p:sld xmlns:a="http://schemas.openxmlformats.org/drawingml/2006/main" xmlns:r="http://schemas.openxmlformats.org/officeDocument/2006/relationships" xmlns:p="http://schemas.openxmlformats.org/presentationml/2006/main" showMasterSp="0">
+  <p:cSld>
+    <p:bg>
+      <p:bgPr>
+        <a:solidFill>
+          <a:schemeClr val="bg1"/>
+        </a:solidFill>
+        <a:effectLst/>
+      </p:bgPr>
+    </p:bg>
+    <p:spTree>
+      <p:nvGrpSpPr>
+        <p:cNvPr id="1" name=""/>
+        <p:cNvGrpSpPr/>
+        <p:nvPr/>
+      </p:nvGrpSpPr>
+      <p:grpSpPr>
+        <a:xfrm>
+          <a:off x="0" y="0"/>
+          <a:ext cx="0" cy="0"/>
+          <a:chOff x="0" y="0"/>
+          <a:chExt cx="0" cy="0"/>
+        </a:xfrm>
+      </p:grpSpPr>
       <p:sp>
         <p:nvSpPr>
           <p:cNvPr id="2" name="Title 1">
@@ -6628,8 +8588,8 @@
           <a:lstStyle/>
           <a:p>
             <a:r>
-              <a:rPr lang="en-US" dirty="0"/>
-              <a:t>Conclusion</a:t>
+              <a:rPr lang="en-US"/>
+              <a:t>Conclusion </a:t>
             </a:r>
           </a:p>
         </p:txBody>
@@ -6650,17 +8610,37 @@
             <p:ph idx="1"/>
           </p:nvPr>
         </p:nvSpPr>
-        <p:spPr/>
-        <p:txBody>
-          <a:bodyPr>
-            <a:normAutofit fontScale="85000" lnSpcReduction="20000"/>
+        <p:spPr>
+          <a:xfrm>
+            <a:off x="1261871" y="1828800"/>
+            <a:ext cx="9544673" cy="4351337"/>
+          </a:xfrm>
+        </p:spPr>
+        <p:txBody>
+          <a:bodyPr vert="horz" lIns="91440" tIns="45720" rIns="91440" bIns="45720" rtlCol="0" anchor="t">
+            <a:normAutofit fontScale="92500" lnSpcReduction="20000"/>
           </a:bodyPr>
           <a:lstStyle/>
           <a:p>
             <a:pPr algn="just"/>
             <a:r>
               <a:rPr lang="en-US" dirty="0"/>
-              <a:t>By presenting the idea of </a:t>
+              <a:t>In this work, an NVP system that can maintain forward progress at intermittent energy level was created. </a:t>
+            </a:r>
+          </a:p>
+          <a:p>
+            <a:pPr algn="just"/>
+            <a:r>
+              <a:rPr lang="en-US" dirty="0"/>
+              <a:t>The energy harvesting unit, a state machine that controls the instantaneous energy storage of the system and lastly an </a:t>
+            </a:r>
+            <a:r>
+              <a:rPr lang="en-US" dirty="0" err="1"/>
+              <a:t>AtomicCPU</a:t>
+            </a:r>
+            <a:r>
+              <a:rPr lang="en-US" dirty="0"/>
+              <a:t> unit that schedules the ticks and controls the CPU's power states were the heart of </a:t>
             </a:r>
             <a:r>
               <a:rPr lang="en-US" dirty="0" err="1"/>
@@ -6668,38 +8648,14 @@
             </a:r>
             <a:r>
               <a:rPr lang="en-US" dirty="0"/>
-              <a:t>, the goals of implementing NVP on the GEM5 platform in terms of architecture and the evaluation of various configurations that can be created utilizing the currently existing architectural implementation were proposed. In this work, an NVP system that can maintain forward progress at intermittent energy level was created. The energy harvesting unit, a state machine that controls the instantaneous energy storage of the system and lastly an </a:t>
-            </a:r>
-            <a:r>
-              <a:rPr lang="en-US" dirty="0" err="1"/>
-              <a:t>AtomicCPU</a:t>
-            </a:r>
+              <a:t>. </a:t>
+            </a:r>
+          </a:p>
+          <a:p>
+            <a:pPr algn="just"/>
             <a:r>
               <a:rPr lang="en-US" dirty="0"/>
-              <a:t> unit that schedules the ticks and controls the CPU's power states were the heart of </a:t>
-            </a:r>
-            <a:r>
-              <a:rPr lang="en-US" dirty="0" err="1"/>
-              <a:t>ConfigNVPSim</a:t>
-            </a:r>
-            <a:r>
-              <a:rPr lang="en-US" dirty="0"/>
-              <a:t>. Four experiments were done to evaluate the performance of </a:t>
-            </a:r>
-            <a:r>
-              <a:rPr lang="en-US" dirty="0" err="1"/>
-              <a:t>ConfigNVPSim</a:t>
-            </a:r>
-            <a:r>
-              <a:rPr lang="en-US" dirty="0"/>
-              <a:t> using different energy consumption and CPU state threshold settings. </a:t>
-            </a:r>
-          </a:p>
-          <a:p>
-            <a:pPr algn="just"/>
-            <a:r>
-              <a:rPr lang="en-US" dirty="0"/>
-              <a:t>Even though non-volatility was successfully implemented on top of the base implementation of GEM5 in terms of energy harvesting module and a state machine that controls the CPU states, the specific module for the backup of data was not implemented in this project, so that can be implemented along with different backup strategies in future work. </a:t>
+              <a:t>Even though non-volatility was successfully implemented on top of the base implementation of GEM5 , the specific module for the backup of data was not implemented in this project, so that can be implemented along with different backup strategies in future work. </a:t>
             </a:r>
           </a:p>
           <a:p>
@@ -6747,9 +8703,17 @@
 </p:sld>
 </file>
 
-<file path=ppt/slides/slide25.xml><?xml version="1.0" encoding="utf-8"?>
-<p:sld xmlns:a="http://schemas.openxmlformats.org/drawingml/2006/main" xmlns:r="http://schemas.openxmlformats.org/officeDocument/2006/relationships" xmlns:p="http://schemas.openxmlformats.org/presentationml/2006/main">
+<file path=ppt/slides/slide31.xml><?xml version="1.0" encoding="utf-8"?>
+<p:sld xmlns:a="http://schemas.openxmlformats.org/drawingml/2006/main" xmlns:r="http://schemas.openxmlformats.org/officeDocument/2006/relationships" xmlns:p="http://schemas.openxmlformats.org/presentationml/2006/main" showMasterSp="0">
   <p:cSld>
+    <p:bg>
+      <p:bgPr>
+        <a:solidFill>
+          <a:schemeClr val="bg1"/>
+        </a:solidFill>
+        <a:effectLst/>
+      </p:bgPr>
+    </p:bg>
     <p:spTree>
       <p:nvGrpSpPr>
         <p:cNvPr id="1" name=""/>
@@ -6815,7 +8779,10 @@
           </a:bodyPr>
           <a:lstStyle/>
           <a:p>
-            <a:pPr algn="just"/>
+            <a:pPr marL="342900" indent="-342900" algn="just">
+              <a:buFont typeface="+mj-lt"/>
+              <a:buAutoNum type="arabicPeriod"/>
+            </a:pPr>
             <a:r>
               <a:rPr lang="en-US" dirty="0" err="1"/>
               <a:t>Yizi</a:t>
@@ -6834,7 +8801,10 @@
             </a:r>
           </a:p>
           <a:p>
-            <a:pPr algn="just"/>
+            <a:pPr marL="342900" indent="-342900" algn="just">
+              <a:buFont typeface="+mj-lt"/>
+              <a:buAutoNum type="arabicPeriod"/>
+            </a:pPr>
             <a:r>
               <a:rPr lang="en-US" dirty="0"/>
               <a:t>Nathan </a:t>
@@ -6937,14 +8907,20 @@
             </a:r>
           </a:p>
           <a:p>
-            <a:pPr algn="just"/>
+            <a:pPr marL="342900" indent="-342900" algn="just">
+              <a:buFont typeface="+mj-lt"/>
+              <a:buAutoNum type="arabicPeriod"/>
+            </a:pPr>
             <a:r>
               <a:rPr lang="en-US" dirty="0"/>
               <a:t>Jason Lowe-Power, Learning Gem 5, Retrieved from http://learning.gem5.org/</a:t>
             </a:r>
           </a:p>
           <a:p>
-            <a:pPr algn="just"/>
+            <a:pPr marL="342900" indent="-342900" algn="just">
+              <a:buFont typeface="+mj-lt"/>
+              <a:buAutoNum type="arabicPeriod"/>
+            </a:pPr>
             <a:r>
               <a:rPr lang="en-US" dirty="0" err="1"/>
               <a:t>Kaisheng</a:t>
@@ -7021,9 +8997,17 @@
 </p:sld>
 </file>
 
-<file path=ppt/slides/slide3.xml><?xml version="1.0" encoding="utf-8"?>
-<p:sld xmlns:a="http://schemas.openxmlformats.org/drawingml/2006/main" xmlns:r="http://schemas.openxmlformats.org/officeDocument/2006/relationships" xmlns:p="http://schemas.openxmlformats.org/presentationml/2006/main">
+<file path=ppt/slides/slide4.xml><?xml version="1.0" encoding="utf-8"?>
+<p:sld xmlns:a="http://schemas.openxmlformats.org/drawingml/2006/main" xmlns:r="http://schemas.openxmlformats.org/officeDocument/2006/relationships" xmlns:p="http://schemas.openxmlformats.org/presentationml/2006/main" showMasterSp="0">
   <p:cSld>
+    <p:bg>
+      <p:bgPr>
+        <a:solidFill>
+          <a:schemeClr val="bg1"/>
+        </a:solidFill>
+        <a:effectLst/>
+      </p:bgPr>
+    </p:bg>
     <p:spTree>
       <p:nvGrpSpPr>
         <p:cNvPr id="1" name=""/>
@@ -7043,7 +9027,7 @@
           <p:cNvPr id="2" name="Title 1">
             <a:extLst>
               <a:ext uri="{FF2B5EF4-FFF2-40B4-BE49-F238E27FC236}">
-                <a16:creationId xmlns:a16="http://schemas.microsoft.com/office/drawing/2014/main" id="{B0EFEFA1-E26E-46D6-847C-3B0EE9D3B7CA}"/>
+                <a16:creationId xmlns:a16="http://schemas.microsoft.com/office/drawing/2014/main" id="{2E50F6C1-6CDC-47D0-9559-D54ADB16968F}"/>
               </a:ext>
             </a:extLst>
           </p:cNvPr>
@@ -7060,9 +9044,10 @@
           <a:lstStyle/>
           <a:p>
             <a:r>
-              <a:rPr lang="en-US" dirty="0"/>
-              <a:t>Architecture</a:t>
-            </a:r>
+              <a:rPr lang="en-US"/>
+              <a:t>BACKGROUND – NVP Architecture</a:t>
+            </a:r>
+            <a:endParaRPr lang="en-US" err="1"/>
           </a:p>
         </p:txBody>
       </p:sp>
@@ -7071,7 +9056,7 @@
           <p:cNvPr id="3" name="Content Placeholder 2">
             <a:extLst>
               <a:ext uri="{FF2B5EF4-FFF2-40B4-BE49-F238E27FC236}">
-                <a16:creationId xmlns:a16="http://schemas.microsoft.com/office/drawing/2014/main" id="{BC01A8EB-D404-4120-A764-A974C801546E}"/>
+                <a16:creationId xmlns:a16="http://schemas.microsoft.com/office/drawing/2014/main" id="{3D64510E-D1A1-483D-ACB1-A7A352171017}"/>
               </a:ext>
             </a:extLst>
           </p:cNvPr>
@@ -7082,132 +9067,77 @@
             <p:ph idx="1"/>
           </p:nvPr>
         </p:nvSpPr>
-        <p:spPr/>
-        <p:txBody>
-          <a:bodyPr>
-            <a:normAutofit fontScale="92500"/>
+        <p:spPr>
+          <a:xfrm>
+            <a:off x="213248" y="1772873"/>
+            <a:ext cx="10902332" cy="4351337"/>
+          </a:xfrm>
+        </p:spPr>
+        <p:txBody>
+          <a:bodyPr vert="horz" lIns="91440" tIns="45720" rIns="91440" bIns="45720" rtlCol="0" anchor="t">
+            <a:noAutofit/>
           </a:bodyPr>
           <a:lstStyle/>
           <a:p>
-            <a:pPr algn="just"/>
-            <a:r>
-              <a:rPr lang="en-US" dirty="0"/>
-              <a:t>There have been theoretical observations on a Non-Volatile Cache / Non-Volatile DRAM etc. But power and cost overhead is a major drawback. </a:t>
-            </a:r>
-          </a:p>
-          <a:p>
-            <a:pPr algn="just"/>
-            <a:r>
-              <a:rPr lang="en-US" dirty="0"/>
-              <a:t>Ma </a:t>
-            </a:r>
-            <a:r>
-              <a:rPr lang="en-US" dirty="0" err="1"/>
-              <a:t>et.al.’s</a:t>
-            </a:r>
-            <a:r>
-              <a:rPr lang="en-US" dirty="0"/>
-              <a:t> focus of design was to implement different policies for backing up registers in NVPs but, there exists a high write energy and latency overhead. </a:t>
-            </a:r>
-          </a:p>
-          <a:p>
-            <a:pPr algn="just"/>
-            <a:r>
-              <a:rPr lang="en-US" dirty="0"/>
-              <a:t>Cache design is a significant component is nonvolatile processors as the performance gap between cores and memories increases. </a:t>
-            </a:r>
-          </a:p>
-          <a:p>
-            <a:pPr algn="just"/>
-            <a:r>
-              <a:rPr lang="en-US" dirty="0"/>
-              <a:t>The </a:t>
-            </a:r>
-            <a:r>
-              <a:rPr lang="en-US" dirty="0" err="1"/>
-              <a:t>NVPSim</a:t>
-            </a:r>
-            <a:r>
-              <a:rPr lang="en-US" dirty="0"/>
-              <a:t> developed by </a:t>
-            </a:r>
-            <a:r>
-              <a:rPr lang="en-US" dirty="0" err="1"/>
-              <a:t>Yizi</a:t>
-            </a:r>
-            <a:r>
-              <a:rPr lang="en-US" dirty="0"/>
-              <a:t> Gu et. al is an efficient solution in implementing NVP simulators and </a:t>
-            </a:r>
-            <a:r>
-              <a:rPr lang="en-US" dirty="0" err="1"/>
-              <a:t>ConfigNVPSim</a:t>
-            </a:r>
-            <a:r>
-              <a:rPr lang="en-US" dirty="0"/>
-              <a:t> is based on this implementation. </a:t>
-            </a:r>
-          </a:p>
-          <a:p>
-            <a:pPr algn="just"/>
-            <a:r>
-              <a:rPr lang="en-US" dirty="0"/>
-              <a:t>The special focus of this project is on adding configurability to </a:t>
-            </a:r>
-            <a:r>
-              <a:rPr lang="en-US" dirty="0" err="1"/>
-              <a:t>NVPSim</a:t>
-            </a:r>
-            <a:r>
-              <a:rPr lang="en-US" dirty="0"/>
-              <a:t> implementation by </a:t>
-            </a:r>
-            <a:r>
-              <a:rPr lang="en-US" dirty="0" err="1"/>
-              <a:t>Yizi</a:t>
-            </a:r>
-            <a:r>
-              <a:rPr lang="en-US" dirty="0"/>
-              <a:t> Gu et. al. </a:t>
-            </a:r>
-          </a:p>
-          <a:p>
-            <a:pPr algn="just"/>
-            <a:r>
-              <a:rPr lang="en-US" dirty="0"/>
-              <a:t>This system considers the delay incurred by non-volatile components of the system and provides an approximate performance estimate.</a:t>
-            </a:r>
+            <a:r>
+              <a:rPr lang="en-US" sz="2400"/>
+              <a:t>The capability to maintain data and system states in the absence of input power is essential for an energy harvesting device</a:t>
+            </a:r>
+          </a:p>
+          <a:p>
+            <a:r>
+              <a:rPr lang="en-US" sz="2400"/>
+              <a:t>Non-Volatile Processors(NVPs) are designed to preserve the system state during power deficiencies. </a:t>
+            </a:r>
+          </a:p>
+          <a:p>
+            <a:r>
+              <a:rPr lang="en-US" sz="2400"/>
+              <a:t>NVPs hide data backup and restoration from the executing software to provide an execution mode that will eventually complete the current task i.e. forward progress.</a:t>
+            </a:r>
+            <a:endParaRPr lang="en-US"/>
+          </a:p>
+          <a:p>
+            <a:r>
+              <a:rPr lang="en-US" sz="2400"/>
+              <a:t>The architectural  design of NVP  would involve accurate backup when the input energy goes beneath the threshold and a quick restore when the power comes back again.</a:t>
+            </a:r>
+          </a:p>
+          <a:p>
+            <a:r>
+              <a:rPr lang="en-US" sz="2400"/>
+              <a:t>Lots of ongoing efforts on reducing backup/restore overheads of NVP.</a:t>
+            </a:r>
+          </a:p>
+          <a:p>
+            <a:endParaRPr lang="en-US" sz="2400"/>
           </a:p>
         </p:txBody>
       </p:sp>
     </p:spTree>
     <p:extLst>
       <p:ext uri="{BB962C8B-B14F-4D97-AF65-F5344CB8AC3E}">
-        <p14:creationId xmlns:p14="http://schemas.microsoft.com/office/powerpoint/2010/main" val="736906421"/>
+        <p14:creationId xmlns:p14="http://schemas.microsoft.com/office/powerpoint/2010/main" val="4199054866"/>
       </p:ext>
     </p:extLst>
   </p:cSld>
   <p:clrMapOvr>
     <a:masterClrMapping/>
   </p:clrMapOvr>
-  <mc:AlternateContent xmlns:mc="http://schemas.openxmlformats.org/markup-compatibility/2006" xmlns:p159="http://schemas.microsoft.com/office/powerpoint/2015/09/main">
-    <mc:Choice Requires="p159">
-      <p:transition spd="slow">
-        <p159:morph option="byObject"/>
-      </p:transition>
-    </mc:Choice>
-    <mc:Fallback xmlns="">
-      <p:transition spd="slow">
-        <p:fade/>
-      </p:transition>
-    </mc:Fallback>
-  </mc:AlternateContent>
 </p:sld>
 </file>
 
-<file path=ppt/slides/slide4.xml><?xml version="1.0" encoding="utf-8"?>
-<p:sld xmlns:a="http://schemas.openxmlformats.org/drawingml/2006/main" xmlns:r="http://schemas.openxmlformats.org/officeDocument/2006/relationships" xmlns:p="http://schemas.openxmlformats.org/presentationml/2006/main">
+<file path=ppt/slides/slide5.xml><?xml version="1.0" encoding="utf-8"?>
+<p:sld xmlns:a="http://schemas.openxmlformats.org/drawingml/2006/main" xmlns:r="http://schemas.openxmlformats.org/officeDocument/2006/relationships" xmlns:p="http://schemas.openxmlformats.org/presentationml/2006/main" showMasterSp="0">
   <p:cSld>
+    <p:bg>
+      <p:bgPr>
+        <a:solidFill>
+          <a:schemeClr val="bg1"/>
+        </a:solidFill>
+        <a:effectLst/>
+      </p:bgPr>
+    </p:bg>
     <p:spTree>
       <p:nvGrpSpPr>
         <p:cNvPr id="1" name=""/>
@@ -7227,7 +9157,7 @@
           <p:cNvPr id="2" name="Title 1">
             <a:extLst>
               <a:ext uri="{FF2B5EF4-FFF2-40B4-BE49-F238E27FC236}">
-                <a16:creationId xmlns:a16="http://schemas.microsoft.com/office/drawing/2014/main" id="{C6E98C25-421B-4550-AC29-8D7B990B23A7}"/>
+                <a16:creationId xmlns:a16="http://schemas.microsoft.com/office/drawing/2014/main" id="{8914A012-1EBC-46FA-A0DB-B4BEAEEA9FE4}"/>
               </a:ext>
             </a:extLst>
           </p:cNvPr>
@@ -7244,8 +9174,8 @@
           <a:lstStyle/>
           <a:p>
             <a:r>
-              <a:rPr lang="en-US" dirty="0"/>
-              <a:t>Simulation Overview</a:t>
+              <a:rPr lang="en-US"/>
+              <a:t>NVP Architecture - continued</a:t>
             </a:r>
           </a:p>
         </p:txBody>
@@ -7255,7 +9185,7 @@
           <p:cNvPr id="3" name="Content Placeholder 2">
             <a:extLst>
               <a:ext uri="{FF2B5EF4-FFF2-40B4-BE49-F238E27FC236}">
-                <a16:creationId xmlns:a16="http://schemas.microsoft.com/office/drawing/2014/main" id="{55FD0E57-F25C-41AF-B033-8B4B34B1798A}"/>
+                <a16:creationId xmlns:a16="http://schemas.microsoft.com/office/drawing/2014/main" id="{282967D5-0353-41F6-BA40-2AD581B5376F}"/>
               </a:ext>
             </a:extLst>
           </p:cNvPr>
@@ -7266,46 +9196,55 @@
             <p:ph idx="1"/>
           </p:nvPr>
         </p:nvSpPr>
-        <p:spPr/>
-        <p:txBody>
-          <a:bodyPr>
+        <p:spPr>
+          <a:xfrm>
+            <a:off x="1261871" y="1695974"/>
+            <a:ext cx="9965561" cy="4351337"/>
+          </a:xfrm>
+        </p:spPr>
+        <p:txBody>
+          <a:bodyPr vert="horz" lIns="91440" tIns="45720" rIns="91440" bIns="45720" rtlCol="0" anchor="t">
             <a:normAutofit/>
           </a:bodyPr>
           <a:lstStyle/>
           <a:p>
             <a:pPr algn="just"/>
             <a:r>
-              <a:rPr lang="en-US" dirty="0"/>
-              <a:t>Extra modules are implemented on a GEM5 base system to make the system capable of making forward progress with an intermittent power source. </a:t>
+              <a:rPr lang="en-US" sz="2400" dirty="0"/>
+              <a:t>One way to realize an NVP system is to implement different policies for backing up registers in NVPs. </a:t>
             </a:r>
           </a:p>
           <a:p>
             <a:pPr algn="just"/>
             <a:r>
-              <a:rPr lang="en-US" dirty="0"/>
-              <a:t>This is achieved using discrete energy input which is fed at a preconfigured constant time interval to the system. Based on this, a system model which can handle such variations in power and analyze the performance was developed. </a:t>
+              <a:rPr lang="en-US" sz="2400" dirty="0"/>
+              <a:t>There can also be architectures which use nonvolatile cache and nonvolatile on chip memories.</a:t>
             </a:r>
           </a:p>
           <a:p>
             <a:pPr algn="just"/>
             <a:r>
-              <a:rPr lang="en-US" dirty="0"/>
-              <a:t>The main logic behind handling the intermittent energy source is the energy management unit. This unit lets the system know when to back up the data and when to restore. Energy management unit interacts with the system CPU to communicate the power level of the input. Based on that, CPU decides on how to process the instructions to avoid any data loss.</a:t>
+              <a:rPr lang="en-US" sz="2400" dirty="0"/>
+              <a:t>Major drawback for such a system is cost and power overhead.</a:t>
             </a:r>
           </a:p>
           <a:p>
             <a:pPr algn="just"/>
             <a:r>
-              <a:rPr lang="en-US" dirty="0"/>
-              <a:t>The two goals of this paper are: the architectural implementation of NVP on the GEM5 platform and the evaluation of different configurations that can be achieved using the existing architectural implementation. </a:t>
-            </a:r>
+              <a:rPr lang="en-US" sz="2400" dirty="0"/>
+              <a:t>We have simulated an NVP based system on GEM5, which can preserve the state of the system during power shortage and can perform forward progress .</a:t>
+            </a:r>
+          </a:p>
+          <a:p>
+            <a:pPr algn="just"/>
+            <a:endParaRPr lang="en-US" sz="2400" dirty="0"/>
           </a:p>
         </p:txBody>
       </p:sp>
     </p:spTree>
     <p:extLst>
       <p:ext uri="{BB962C8B-B14F-4D97-AF65-F5344CB8AC3E}">
-        <p14:creationId xmlns:p14="http://schemas.microsoft.com/office/powerpoint/2010/main" val="1936015092"/>
+        <p14:creationId xmlns:p14="http://schemas.microsoft.com/office/powerpoint/2010/main" val="3727391880"/>
       </p:ext>
     </p:extLst>
   </p:cSld>
@@ -7315,9 +9254,17 @@
 </p:sld>
 </file>
 
-<file path=ppt/slides/slide5.xml><?xml version="1.0" encoding="utf-8"?>
-<p:sld xmlns:a="http://schemas.openxmlformats.org/drawingml/2006/main" xmlns:r="http://schemas.openxmlformats.org/officeDocument/2006/relationships" xmlns:p="http://schemas.openxmlformats.org/presentationml/2006/main">
+<file path=ppt/slides/slide6.xml><?xml version="1.0" encoding="utf-8"?>
+<p:sld xmlns:a="http://schemas.openxmlformats.org/drawingml/2006/main" xmlns:r="http://schemas.openxmlformats.org/officeDocument/2006/relationships" xmlns:p="http://schemas.openxmlformats.org/presentationml/2006/main" showMasterSp="0">
   <p:cSld>
+    <p:bg>
+      <p:bgPr>
+        <a:solidFill>
+          <a:schemeClr val="bg1"/>
+        </a:solidFill>
+        <a:effectLst/>
+      </p:bgPr>
+    </p:bg>
     <p:spTree>
       <p:nvGrpSpPr>
         <p:cNvPr id="1" name=""/>
@@ -7337,7 +9284,7 @@
           <p:cNvPr id="2" name="Title 1">
             <a:extLst>
               <a:ext uri="{FF2B5EF4-FFF2-40B4-BE49-F238E27FC236}">
-                <a16:creationId xmlns:a16="http://schemas.microsoft.com/office/drawing/2014/main" id="{1C5E26EB-E03C-422C-9DD3-846280BCCD6E}"/>
+                <a16:creationId xmlns:a16="http://schemas.microsoft.com/office/drawing/2014/main" id="{D515C13F-B30E-4F55-8B30-07067B202BFF}"/>
               </a:ext>
             </a:extLst>
           </p:cNvPr>
@@ -7345,22 +9292,171 @@
             <a:spLocks noGrp="1"/>
           </p:cNvSpPr>
           <p:nvPr>
-            <p:ph type="ctrTitle"/>
+            <p:ph type="title"/>
+          </p:nvPr>
+        </p:nvSpPr>
+        <p:spPr/>
+        <p:txBody>
+          <a:bodyPr/>
+          <a:lstStyle/>
+          <a:p>
+            <a:r>
+              <a:rPr lang="en-US" dirty="0"/>
+              <a:t>GEM5 base system</a:t>
+            </a:r>
+          </a:p>
+        </p:txBody>
+      </p:sp>
+      <p:sp>
+        <p:nvSpPr>
+          <p:cNvPr id="3" name="Content Placeholder 2">
+            <a:extLst>
+              <a:ext uri="{FF2B5EF4-FFF2-40B4-BE49-F238E27FC236}">
+                <a16:creationId xmlns:a16="http://schemas.microsoft.com/office/drawing/2014/main" id="{DCC1840A-9D52-4FE7-AD2A-6B25BBEEF8BF}"/>
+              </a:ext>
+            </a:extLst>
+          </p:cNvPr>
+          <p:cNvSpPr>
+            <a:spLocks noGrp="1"/>
+          </p:cNvSpPr>
+          <p:nvPr>
+            <p:ph idx="1"/>
+          </p:nvPr>
+        </p:nvSpPr>
+        <p:spPr/>
+        <p:txBody>
+          <a:bodyPr>
+            <a:normAutofit/>
+          </a:bodyPr>
+          <a:lstStyle/>
+          <a:p>
+            <a:pPr marL="0" indent="0" algn="just">
+              <a:buNone/>
+            </a:pPr>
+            <a:r>
+              <a:rPr lang="en-US" sz="2400" dirty="0"/>
+              <a:t>GEM5 Base system limitations for NVP:</a:t>
+            </a:r>
+          </a:p>
+          <a:p>
+            <a:pPr lvl="1" algn="just"/>
+            <a:r>
+              <a:rPr lang="en-US" sz="2400" dirty="0"/>
+              <a:t>Assumes power is always available</a:t>
+            </a:r>
+          </a:p>
+          <a:p>
+            <a:pPr lvl="2" algn="just"/>
+            <a:r>
+              <a:rPr lang="en-US" sz="2400" dirty="0"/>
+              <a:t>No energy harvesting/energy consumption</a:t>
+            </a:r>
+          </a:p>
+          <a:p>
+            <a:pPr lvl="1" algn="just"/>
+            <a:r>
+              <a:rPr lang="en-US" sz="2400" dirty="0"/>
+              <a:t>System level power management module is absent</a:t>
+            </a:r>
+          </a:p>
+          <a:p>
+            <a:pPr lvl="1" algn="just"/>
+            <a:r>
+              <a:rPr lang="en-US" sz="2400" dirty="0"/>
+              <a:t>No concept of energy states in CPU and other HW modules</a:t>
+            </a:r>
+          </a:p>
+          <a:p>
+            <a:pPr lvl="1" algn="just"/>
+            <a:r>
+              <a:rPr lang="en-US" sz="2400" dirty="0"/>
+              <a:t>No mechanism to communicate energy consumption values between modules</a:t>
+            </a:r>
+          </a:p>
+          <a:p>
+            <a:pPr marL="548640" lvl="2" indent="0" algn="just">
+              <a:buNone/>
+            </a:pPr>
+            <a:endParaRPr lang="en-US" dirty="0"/>
+          </a:p>
+          <a:p>
+            <a:pPr marL="548640" lvl="2" indent="0" algn="just">
+              <a:buNone/>
+            </a:pPr>
+            <a:endParaRPr lang="en-US" dirty="0"/>
+          </a:p>
+        </p:txBody>
+      </p:sp>
+    </p:spTree>
+    <p:extLst>
+      <p:ext uri="{BB962C8B-B14F-4D97-AF65-F5344CB8AC3E}">
+        <p14:creationId xmlns:p14="http://schemas.microsoft.com/office/powerpoint/2010/main" val="580792770"/>
+      </p:ext>
+    </p:extLst>
+  </p:cSld>
+  <p:clrMapOvr>
+    <a:masterClrMapping/>
+  </p:clrMapOvr>
+</p:sld>
+</file>
+
+<file path=ppt/slides/slide7.xml><?xml version="1.0" encoding="utf-8"?>
+<p:sld xmlns:a="http://schemas.openxmlformats.org/drawingml/2006/main" xmlns:r="http://schemas.openxmlformats.org/officeDocument/2006/relationships" xmlns:p="http://schemas.openxmlformats.org/presentationml/2006/main" showMasterSp="0">
+  <p:cSld>
+    <p:bg>
+      <p:bgPr>
+        <a:solidFill>
+          <a:schemeClr val="bg1"/>
+        </a:solidFill>
+        <a:effectLst/>
+      </p:bgPr>
+    </p:bg>
+    <p:spTree>
+      <p:nvGrpSpPr>
+        <p:cNvPr id="1" name=""/>
+        <p:cNvGrpSpPr/>
+        <p:nvPr/>
+      </p:nvGrpSpPr>
+      <p:grpSpPr>
+        <a:xfrm>
+          <a:off x="0" y="0"/>
+          <a:ext cx="0" cy="0"/>
+          <a:chOff x="0" y="0"/>
+          <a:chExt cx="0" cy="0"/>
+        </a:xfrm>
+      </p:grpSpPr>
+      <p:sp>
+        <p:nvSpPr>
+          <p:cNvPr id="3" name="Title 2">
+            <a:extLst>
+              <a:ext uri="{FF2B5EF4-FFF2-40B4-BE49-F238E27FC236}">
+                <a16:creationId xmlns:a16="http://schemas.microsoft.com/office/drawing/2014/main" id="{B9587B62-18C6-4A1D-A39F-0B74DE5ADB76}"/>
+              </a:ext>
+            </a:extLst>
+          </p:cNvPr>
+          <p:cNvSpPr>
+            <a:spLocks noGrp="1"/>
+          </p:cNvSpPr>
+          <p:nvPr>
+            <p:ph type="title"/>
           </p:nvPr>
         </p:nvSpPr>
         <p:spPr>
           <a:xfrm>
-            <a:off x="1386840" y="2429491"/>
-            <a:ext cx="9418320" cy="4041648"/>
+            <a:off x="8174735" y="640081"/>
+            <a:ext cx="3629338" cy="3708895"/>
           </a:xfrm>
+          <a:noFill/>
         </p:spPr>
         <p:txBody>
-          <a:bodyPr/>
+          <a:bodyPr vert="horz" lIns="91440" tIns="45720" rIns="91440" bIns="45720" rtlCol="0" anchor="b">
+            <a:normAutofit/>
+          </a:bodyPr>
           <a:lstStyle/>
           <a:p>
             <a:r>
               <a:rPr lang="en-US" dirty="0"/>
-              <a:t>System Configuration</a:t>
+              <a:t>Energy Management Unit</a:t>
             </a:r>
           </a:p>
         </p:txBody>
@@ -7379,7 +9475,7 @@
           </p:cNvPicPr>
           <p:nvPr/>
         </p:nvPicPr>
-        <p:blipFill>
+        <p:blipFill rotWithShape="1">
           <a:blip r:embed="rId2">
             <a:extLst>
               <a:ext uri="{28A0092B-C50C-407E-A947-70E740481C1C}">
@@ -7387,14 +9483,13 @@
               </a:ext>
             </a:extLst>
           </a:blip>
-          <a:stretch>
-            <a:fillRect/>
-          </a:stretch>
+          <a:srcRect l="571" r="1" b="1"/>
+          <a:stretch/>
         </p:blipFill>
         <p:spPr>
           <a:xfrm>
-            <a:off x="3144796" y="0"/>
-            <a:ext cx="5902408" cy="5346531"/>
+            <a:off x="20" y="10"/>
+            <a:ext cx="7534636" cy="6857990"/>
           </a:xfrm>
           <a:prstGeom prst="rect">
             <a:avLst/>
@@ -7404,7 +9499,7 @@
     </p:spTree>
     <p:extLst>
       <p:ext uri="{BB962C8B-B14F-4D97-AF65-F5344CB8AC3E}">
-        <p14:creationId xmlns:p14="http://schemas.microsoft.com/office/powerpoint/2010/main" val="4249942671"/>
+        <p14:creationId xmlns:p14="http://schemas.microsoft.com/office/powerpoint/2010/main" val="2964752371"/>
       </p:ext>
     </p:extLst>
   </p:cSld>
@@ -7414,9 +9509,17 @@
 </p:sld>
 </file>
 
-<file path=ppt/slides/slide6.xml><?xml version="1.0" encoding="utf-8"?>
-<p:sld xmlns:a="http://schemas.openxmlformats.org/drawingml/2006/main" xmlns:r="http://schemas.openxmlformats.org/officeDocument/2006/relationships" xmlns:p="http://schemas.openxmlformats.org/presentationml/2006/main">
+<file path=ppt/slides/slide8.xml><?xml version="1.0" encoding="utf-8"?>
+<p:sld xmlns:a="http://schemas.openxmlformats.org/drawingml/2006/main" xmlns:r="http://schemas.openxmlformats.org/officeDocument/2006/relationships" xmlns:p="http://schemas.openxmlformats.org/presentationml/2006/main" showMasterSp="0">
   <p:cSld>
+    <p:bg>
+      <p:bgPr>
+        <a:solidFill>
+          <a:schemeClr val="bg1"/>
+        </a:solidFill>
+        <a:effectLst/>
+      </p:bgPr>
+    </p:bg>
     <p:spTree>
       <p:nvGrpSpPr>
         <p:cNvPr id="1" name=""/>
@@ -7433,10 +9536,10 @@
       </p:grpSpPr>
       <p:sp>
         <p:nvSpPr>
-          <p:cNvPr id="2" name="Title 1">
+          <p:cNvPr id="3" name="Title 2">
             <a:extLst>
               <a:ext uri="{FF2B5EF4-FFF2-40B4-BE49-F238E27FC236}">
-                <a16:creationId xmlns:a16="http://schemas.microsoft.com/office/drawing/2014/main" id="{7BFFDF1D-5632-468B-B13C-148B264E15E4}"/>
+                <a16:creationId xmlns:a16="http://schemas.microsoft.com/office/drawing/2014/main" id="{B9587B62-18C6-4A1D-A39F-0B74DE5ADB76}"/>
               </a:ext>
             </a:extLst>
           </p:cNvPr>
@@ -7447,157 +9550,135 @@
             <p:ph type="title"/>
           </p:nvPr>
         </p:nvSpPr>
-        <p:spPr/>
-        <p:txBody>
-          <a:bodyPr/>
+        <p:spPr>
+          <a:xfrm>
+            <a:off x="6286971" y="847420"/>
+            <a:ext cx="4258202" cy="45719"/>
+          </a:xfrm>
+        </p:spPr>
+        <p:txBody>
+          <a:bodyPr vert="horz" lIns="91440" tIns="45720" rIns="91440" bIns="45720" rtlCol="0" anchor="b">
+            <a:noAutofit/>
+          </a:bodyPr>
           <a:lstStyle/>
           <a:p>
-            <a:r>
-              <a:rPr lang="en-US" dirty="0"/>
+            <a:pPr>
+              <a:lnSpc>
+                <a:spcPct val="85000"/>
+              </a:lnSpc>
+            </a:pPr>
+            <a:r>
+              <a:rPr lang="en-US" sz="3600" dirty="0"/>
               <a:t>Energy Harvester</a:t>
             </a:r>
           </a:p>
         </p:txBody>
       </p:sp>
-      <p:sp>
-        <p:nvSpPr>
-          <p:cNvPr id="3" name="Content Placeholder 2">
+      <p:pic>
+        <p:nvPicPr>
+          <p:cNvPr id="5" name="Picture 4">
             <a:extLst>
               <a:ext uri="{FF2B5EF4-FFF2-40B4-BE49-F238E27FC236}">
-                <a16:creationId xmlns:a16="http://schemas.microsoft.com/office/drawing/2014/main" id="{7F6D8CA5-9AF0-4C1D-AF18-12BE0A96A8BA}"/>
+                <a16:creationId xmlns:a16="http://schemas.microsoft.com/office/drawing/2014/main" id="{66366A02-E763-47DD-9B8C-27DF9C739BA7}"/>
               </a:ext>
             </a:extLst>
           </p:cNvPr>
-          <p:cNvSpPr>
-            <a:spLocks noGrp="1"/>
-          </p:cNvSpPr>
-          <p:nvPr>
-            <p:ph idx="1"/>
-          </p:nvPr>
-        </p:nvSpPr>
-        <p:spPr/>
-        <p:txBody>
-          <a:bodyPr>
-            <a:normAutofit fontScale="77500" lnSpcReduction="20000"/>
+          <p:cNvPicPr>
+            <a:picLocks noChangeAspect="1"/>
+          </p:cNvPicPr>
+          <p:nvPr/>
+        </p:nvPicPr>
+        <p:blipFill rotWithShape="1">
+          <a:blip r:embed="rId2">
+            <a:extLst>
+              <a:ext uri="{28A0092B-C50C-407E-A947-70E740481C1C}">
+                <a14:useLocalDpi xmlns:a14="http://schemas.microsoft.com/office/drawing/2010/main" val="0"/>
+              </a:ext>
+            </a:extLst>
+          </a:blip>
+          <a:srcRect l="1" r="34857" b="86503"/>
+          <a:stretch/>
+        </p:blipFill>
+        <p:spPr>
+          <a:xfrm>
+            <a:off x="615638" y="471054"/>
+            <a:ext cx="4258203" cy="798453"/>
+          </a:xfrm>
+          <a:prstGeom prst="rect">
+            <a:avLst/>
+          </a:prstGeom>
+        </p:spPr>
+      </p:pic>
+      <p:sp>
+        <p:nvSpPr>
+          <p:cNvPr id="4" name="TextBox 3">
+            <a:extLst>
+              <a:ext uri="{FF2B5EF4-FFF2-40B4-BE49-F238E27FC236}">
+                <a16:creationId xmlns:a16="http://schemas.microsoft.com/office/drawing/2014/main" id="{46ED2A24-78B8-4BD2-A4E9-905A527057C7}"/>
+              </a:ext>
+            </a:extLst>
+          </p:cNvPr>
+          <p:cNvSpPr txBox="1"/>
+          <p:nvPr/>
+        </p:nvSpPr>
+        <p:spPr>
+          <a:xfrm>
+            <a:off x="5708342" y="1181093"/>
+            <a:ext cx="6036815" cy="3416320"/>
+          </a:xfrm>
+          <a:prstGeom prst="rect">
+            <a:avLst/>
+          </a:prstGeom>
+          <a:noFill/>
+        </p:spPr>
+        <p:txBody>
+          <a:bodyPr wrap="square" rtlCol="0">
+            <a:spAutoFit/>
           </a:bodyPr>
           <a:lstStyle/>
           <a:p>
-            <a:pPr algn="just"/>
-            <a:r>
-              <a:rPr lang="en-US" dirty="0"/>
-              <a:t>The concept of an intermittent power source is not inherent to the GEM5 system. </a:t>
-            </a:r>
-          </a:p>
-          <a:p>
-            <a:pPr algn="just"/>
-            <a:r>
-              <a:rPr lang="en-US" dirty="0"/>
-              <a:t>Input power levels are generated using tools like Octave or </a:t>
-            </a:r>
-            <a:r>
-              <a:rPr lang="en-US" dirty="0" err="1"/>
-              <a:t>Matlab</a:t>
-            </a:r>
-            <a:r>
-              <a:rPr lang="en-US" dirty="0"/>
-              <a:t>. </a:t>
-            </a:r>
-          </a:p>
-          <a:p>
-            <a:pPr algn="just"/>
-            <a:r>
-              <a:rPr lang="en-US" dirty="0"/>
-              <a:t>Upon system initialization, the energy harvester module reads and maintains a copy of the input power in the system. Then it schedules a periodic call to itself every </a:t>
-            </a:r>
-            <a:r>
-              <a:rPr lang="en-US" dirty="0" err="1"/>
+            <a:pPr marL="342900" indent="-342900" algn="just">
+              <a:buFont typeface="Arial" panose="020B0604020202020204" pitchFamily="34" charset="0"/>
+              <a:buChar char="•"/>
+            </a:pPr>
+            <a:r>
+              <a:rPr lang="en-US" sz="2400" dirty="0"/>
+              <a:t>Loads the discrete energy input from memory during initialization</a:t>
+            </a:r>
+          </a:p>
+          <a:p>
+            <a:pPr marL="342900" indent="-342900" algn="just">
+              <a:buFont typeface="Arial" panose="020B0604020202020204" pitchFamily="34" charset="0"/>
+              <a:buChar char="•"/>
+            </a:pPr>
+            <a:endParaRPr lang="en-US" sz="2400" dirty="0"/>
+          </a:p>
+          <a:p>
+            <a:pPr marL="342900" indent="-342900" algn="just">
+              <a:buFont typeface="Arial" panose="020B0604020202020204" pitchFamily="34" charset="0"/>
+              <a:buChar char="•"/>
+            </a:pPr>
+            <a:r>
+              <a:rPr lang="en-US" sz="2400" dirty="0"/>
+              <a:t>Schedules an event to invoke itself every ‘</a:t>
+            </a:r>
+            <a:r>
+              <a:rPr lang="en-US" sz="2400" dirty="0" err="1"/>
               <a:t>energy_time_unit</a:t>
             </a:r>
             <a:r>
-              <a:rPr lang="en-US" dirty="0"/>
-              <a:t> interval of time to update the system energy based on the input file. </a:t>
-            </a:r>
-          </a:p>
-          <a:p>
-            <a:pPr algn="just"/>
-            <a:r>
-              <a:rPr lang="en-US" dirty="0"/>
-              <a:t>Once the energy is read by the harvester, it updates the energy manager which maintains the current energy level of the system </a:t>
-            </a:r>
-            <a:r>
-              <a:rPr lang="en-US" dirty="0" err="1"/>
-              <a:t>energy_remained</a:t>
-            </a:r>
-            <a:r>
-              <a:rPr lang="en-US" dirty="0"/>
-              <a:t>.</a:t>
-            </a:r>
-          </a:p>
-          <a:p>
-            <a:pPr algn="just"/>
-            <a:r>
-              <a:rPr lang="en-US" dirty="0"/>
-              <a:t>Energy Manager receives energy messages from energy harvester as well as the other </a:t>
-            </a:r>
-            <a:r>
-              <a:rPr lang="en-US" dirty="0" err="1"/>
-              <a:t>SimObjects</a:t>
-            </a:r>
-            <a:r>
-              <a:rPr lang="en-US" dirty="0"/>
-              <a:t> which consumes energy in the system. </a:t>
-            </a:r>
-          </a:p>
-          <a:p>
-            <a:pPr algn="just"/>
-            <a:r>
-              <a:rPr lang="en-US" dirty="0"/>
-              <a:t>Energy harvester updates energy manager with an increase in the system energy. </a:t>
-            </a:r>
-          </a:p>
-          <a:p>
-            <a:pPr algn="just"/>
-            <a:r>
-              <a:rPr lang="en-US" dirty="0"/>
-              <a:t>Other </a:t>
-            </a:r>
-            <a:r>
-              <a:rPr lang="en-US" dirty="0" err="1"/>
-              <a:t>SimObjects</a:t>
-            </a:r>
-            <a:r>
-              <a:rPr lang="en-US" dirty="0"/>
-              <a:t> like </a:t>
-            </a:r>
-            <a:r>
-              <a:rPr lang="en-US" dirty="0" err="1"/>
-              <a:t>AtomicSimpleCPU</a:t>
-            </a:r>
-            <a:r>
-              <a:rPr lang="en-US" dirty="0"/>
-              <a:t> which are consumers of energy sends messages to energy manager informing the amount of energy consumed by that individual module.</a:t>
-            </a:r>
-          </a:p>
-          <a:p>
-            <a:pPr algn="just"/>
-            <a:r>
-              <a:rPr lang="en-US" dirty="0"/>
-              <a:t>Based on the source of these messages, the energy manager updates the system energy. </a:t>
-            </a:r>
-          </a:p>
-          <a:p>
-            <a:pPr algn="just"/>
-            <a:r>
-              <a:rPr lang="en-US" dirty="0"/>
-              <a:t>Once the </a:t>
-            </a:r>
-            <a:r>
-              <a:rPr lang="en-US" dirty="0" err="1"/>
-              <a:t>energy_remained</a:t>
-            </a:r>
-            <a:r>
-              <a:rPr lang="en-US" dirty="0"/>
-              <a:t> has been successfully updated by the energy manager, it invokes the state machine module which dictates how the power level of the system should be updated. </a:t>
+              <a:rPr lang="en-US" sz="2400" dirty="0"/>
+              <a:t>’ intervals of time</a:t>
+            </a:r>
+          </a:p>
+          <a:p>
+            <a:pPr marL="342900" indent="-342900" algn="just">
+              <a:buFont typeface="Arial" panose="020B0604020202020204" pitchFamily="34" charset="0"/>
+              <a:buChar char="•"/>
+            </a:pPr>
+            <a:r>
+              <a:rPr lang="en-US" sz="2400" dirty="0"/>
+              <a:t>Sends energy harvest message with harvested value to energy manager module</a:t>
             </a:r>
           </a:p>
         </p:txBody>
@@ -7605,31 +9686,27 @@
     </p:spTree>
     <p:extLst>
       <p:ext uri="{BB962C8B-B14F-4D97-AF65-F5344CB8AC3E}">
-        <p14:creationId xmlns:p14="http://schemas.microsoft.com/office/powerpoint/2010/main" val="133710375"/>
+        <p14:creationId xmlns:p14="http://schemas.microsoft.com/office/powerpoint/2010/main" val="754883327"/>
       </p:ext>
     </p:extLst>
   </p:cSld>
   <p:clrMapOvr>
     <a:masterClrMapping/>
   </p:clrMapOvr>
-  <mc:AlternateContent xmlns:mc="http://schemas.openxmlformats.org/markup-compatibility/2006" xmlns:p159="http://schemas.microsoft.com/office/powerpoint/2015/09/main">
-    <mc:Choice Requires="p159">
-      <p:transition spd="slow">
-        <p159:morph option="byObject"/>
-      </p:transition>
-    </mc:Choice>
-    <mc:Fallback xmlns="">
-      <p:transition spd="slow">
-        <p:fade/>
-      </p:transition>
-    </mc:Fallback>
-  </mc:AlternateContent>
 </p:sld>
 </file>
 
-<file path=ppt/slides/slide7.xml><?xml version="1.0" encoding="utf-8"?>
-<p:sld xmlns:a="http://schemas.openxmlformats.org/drawingml/2006/main" xmlns:r="http://schemas.openxmlformats.org/officeDocument/2006/relationships" xmlns:p="http://schemas.openxmlformats.org/presentationml/2006/main">
+<file path=ppt/slides/slide9.xml><?xml version="1.0" encoding="utf-8"?>
+<p:sld xmlns:a="http://schemas.openxmlformats.org/drawingml/2006/main" xmlns:r="http://schemas.openxmlformats.org/officeDocument/2006/relationships" xmlns:p="http://schemas.openxmlformats.org/presentationml/2006/main" showMasterSp="0">
   <p:cSld>
+    <p:bg>
+      <p:bgPr>
+        <a:solidFill>
+          <a:schemeClr val="bg1"/>
+        </a:solidFill>
+        <a:effectLst/>
+      </p:bgPr>
+    </p:bg>
     <p:spTree>
       <p:nvGrpSpPr>
         <p:cNvPr id="1" name=""/>
@@ -7646,10 +9723,10 @@
       </p:grpSpPr>
       <p:sp>
         <p:nvSpPr>
-          <p:cNvPr id="2" name="Title 1">
+          <p:cNvPr id="3" name="Title 2">
             <a:extLst>
               <a:ext uri="{FF2B5EF4-FFF2-40B4-BE49-F238E27FC236}">
-                <a16:creationId xmlns:a16="http://schemas.microsoft.com/office/drawing/2014/main" id="{F1118F0E-6499-48AD-83DE-880CA3CA2385}"/>
+                <a16:creationId xmlns:a16="http://schemas.microsoft.com/office/drawing/2014/main" id="{B9587B62-18C6-4A1D-A39F-0B74DE5ADB76}"/>
               </a:ext>
             </a:extLst>
           </p:cNvPr>
@@ -7660,154 +9737,182 @@
             <p:ph type="title"/>
           </p:nvPr>
         </p:nvSpPr>
-        <p:spPr/>
-        <p:txBody>
-          <a:bodyPr/>
+        <p:spPr>
+          <a:xfrm>
+            <a:off x="6977850" y="758952"/>
+            <a:ext cx="4055594" cy="75549"/>
+          </a:xfrm>
+        </p:spPr>
+        <p:txBody>
+          <a:bodyPr vert="horz" lIns="91440" tIns="45720" rIns="91440" bIns="45720" rtlCol="0" anchor="b">
+            <a:noAutofit/>
+          </a:bodyPr>
           <a:lstStyle/>
           <a:p>
-            <a:r>
-              <a:rPr lang="en-US" dirty="0"/>
-              <a:t>State Machine</a:t>
-            </a:r>
-          </a:p>
-        </p:txBody>
-      </p:sp>
-      <p:sp>
-        <p:nvSpPr>
-          <p:cNvPr id="3" name="Content Placeholder 2">
+            <a:pPr>
+              <a:lnSpc>
+                <a:spcPct val="85000"/>
+              </a:lnSpc>
+            </a:pPr>
+            <a:r>
+              <a:rPr lang="en-US" sz="3600" dirty="0"/>
+              <a:t>Energy messages</a:t>
+            </a:r>
+          </a:p>
+        </p:txBody>
+      </p:sp>
+      <p:pic>
+        <p:nvPicPr>
+          <p:cNvPr id="5" name="Picture 4">
             <a:extLst>
               <a:ext uri="{FF2B5EF4-FFF2-40B4-BE49-F238E27FC236}">
-                <a16:creationId xmlns:a16="http://schemas.microsoft.com/office/drawing/2014/main" id="{7D91BC8C-AA11-464B-BFCB-AA31DECC014D}"/>
+                <a16:creationId xmlns:a16="http://schemas.microsoft.com/office/drawing/2014/main" id="{66366A02-E763-47DD-9B8C-27DF9C739BA7}"/>
               </a:ext>
             </a:extLst>
           </p:cNvPr>
-          <p:cNvSpPr>
-            <a:spLocks noGrp="1"/>
-          </p:cNvSpPr>
-          <p:nvPr>
-            <p:ph idx="1"/>
-          </p:nvPr>
-        </p:nvSpPr>
-        <p:spPr/>
-        <p:txBody>
-          <a:bodyPr>
-            <a:normAutofit fontScale="62500" lnSpcReduction="20000"/>
+          <p:cNvPicPr>
+            <a:picLocks noChangeAspect="1"/>
+          </p:cNvPicPr>
+          <p:nvPr/>
+        </p:nvPicPr>
+        <p:blipFill rotWithShape="1">
+          <a:blip r:embed="rId2">
+            <a:extLst>
+              <a:ext uri="{28A0092B-C50C-407E-A947-70E740481C1C}">
+                <a14:useLocalDpi xmlns:a14="http://schemas.microsoft.com/office/drawing/2010/main" val="0"/>
+              </a:ext>
+            </a:extLst>
+          </a:blip>
+          <a:srcRect l="-183" r="31462" b="59939"/>
+          <a:stretch/>
+        </p:blipFill>
+        <p:spPr>
+          <a:xfrm>
+            <a:off x="603682" y="471055"/>
+            <a:ext cx="4492101" cy="2369799"/>
+          </a:xfrm>
+          <a:prstGeom prst="rect">
+            <a:avLst/>
+          </a:prstGeom>
+        </p:spPr>
+      </p:pic>
+      <p:sp>
+        <p:nvSpPr>
+          <p:cNvPr id="6" name="TextBox 5">
+            <a:extLst>
+              <a:ext uri="{FF2B5EF4-FFF2-40B4-BE49-F238E27FC236}">
+                <a16:creationId xmlns:a16="http://schemas.microsoft.com/office/drawing/2014/main" id="{730FE20E-6113-447B-B84B-50E9998DC874}"/>
+              </a:ext>
+            </a:extLst>
+          </p:cNvPr>
+          <p:cNvSpPr txBox="1"/>
+          <p:nvPr/>
+        </p:nvSpPr>
+        <p:spPr>
+          <a:xfrm>
+            <a:off x="5592931" y="1082957"/>
+            <a:ext cx="6276514" cy="4893647"/>
+          </a:xfrm>
+          <a:prstGeom prst="rect">
+            <a:avLst/>
+          </a:prstGeom>
+          <a:noFill/>
+        </p:spPr>
+        <p:txBody>
+          <a:bodyPr wrap="square" rtlCol="0">
+            <a:spAutoFit/>
           </a:bodyPr>
           <a:lstStyle/>
           <a:p>
-            <a:r>
-              <a:rPr lang="en-US" dirty="0"/>
-              <a:t>The state machine used by the system has three states - STATE_POWER_OFF, STATE_POWER_RETENTION, and STATE_POWER_ON. </a:t>
-            </a:r>
-          </a:p>
-          <a:p>
-            <a:r>
-              <a:rPr lang="en-US" dirty="0"/>
-              <a:t>The state machine state is initialized to STATE_POWER_OFF. </a:t>
-            </a:r>
-          </a:p>
-          <a:p>
-            <a:r>
-              <a:rPr lang="en-US" dirty="0"/>
-              <a:t>Based on the energy level information received from the energy manager module, state machine updates the states to these modules. </a:t>
-            </a:r>
-          </a:p>
-          <a:p>
-            <a:r>
-              <a:rPr lang="en-US" dirty="0"/>
-              <a:t>When the system energy exceeds threshold thres_ret_to_1, the state machine switches the state to STATE_POWER_ON.</a:t>
-            </a:r>
-          </a:p>
-          <a:p>
-            <a:r>
-              <a:rPr lang="en-US" dirty="0"/>
-              <a:t>When the system energy falls below thres_1_to_ret. At this point, the state machine switches to STATE_POWER_RETENTION. </a:t>
-            </a:r>
-          </a:p>
-          <a:p>
-            <a:r>
-              <a:rPr lang="en-US" dirty="0"/>
-              <a:t>Once system energy falls below </a:t>
-            </a:r>
-            <a:r>
-              <a:rPr lang="en-US" dirty="0" err="1"/>
-              <a:t>thres_ret_to_off</a:t>
-            </a:r>
-            <a:r>
-              <a:rPr lang="en-US" dirty="0"/>
-              <a:t>, the state machine switches back to the STATE_POWER_OFF state.</a:t>
-            </a:r>
-          </a:p>
-          <a:p>
-            <a:r>
-              <a:rPr lang="en-US" dirty="0"/>
-              <a:t>The state change messages are broadcasted to all </a:t>
-            </a:r>
-            <a:r>
-              <a:rPr lang="en-US" dirty="0" err="1"/>
+            <a:pPr marL="342900" indent="-342900">
+              <a:buFont typeface="Arial" panose="020B0604020202020204" pitchFamily="34" charset="0"/>
+              <a:buChar char="•"/>
+            </a:pPr>
+            <a:r>
+              <a:rPr lang="en-US" sz="2400" dirty="0"/>
+              <a:t>Added energy port to every </a:t>
+            </a:r>
+            <a:r>
+              <a:rPr lang="en-US" sz="2400" dirty="0" err="1"/>
+              <a:t>SimObject</a:t>
+            </a:r>
+            <a:endParaRPr lang="en-US" sz="2400" dirty="0"/>
+          </a:p>
+          <a:p>
+            <a:pPr marL="342900" indent="-342900">
+              <a:buFont typeface="Arial" panose="020B0604020202020204" pitchFamily="34" charset="0"/>
+              <a:buChar char="•"/>
+            </a:pPr>
+            <a:r>
+              <a:rPr lang="en-US" sz="2400" dirty="0"/>
+              <a:t>All </a:t>
+            </a:r>
+            <a:r>
+              <a:rPr lang="en-US" sz="2400" dirty="0" err="1"/>
               <a:t>SimObjects</a:t>
             </a:r>
             <a:r>
-              <a:rPr lang="en-US" dirty="0"/>
-              <a:t> so that they can change their power levels and functionality based on the current system energy level</a:t>
-            </a:r>
-          </a:p>
-          <a:p>
-            <a:r>
-              <a:rPr lang="en-US" dirty="0"/>
-              <a:t>To implement the messaging system, the </a:t>
-            </a:r>
-            <a:r>
-              <a:rPr lang="en-US" dirty="0" err="1"/>
-              <a:t>SimObject</a:t>
-            </a:r>
-            <a:r>
-              <a:rPr lang="en-US" dirty="0"/>
-              <a:t> definitions were augmented with an energy port for sending and receiving these messages. </a:t>
-            </a:r>
-          </a:p>
-          <a:p>
-            <a:r>
-              <a:rPr lang="en-US" dirty="0"/>
-              <a:t>In this implementation, only the </a:t>
-            </a:r>
-            <a:r>
-              <a:rPr lang="en-US" dirty="0" err="1"/>
-              <a:t>AtomicCPU</a:t>
-            </a:r>
-            <a:r>
-              <a:rPr lang="en-US" dirty="0"/>
-              <a:t> was modified to receive the energy messages broadcasted by the state machine. Moreover, </a:t>
-            </a:r>
-            <a:r>
-              <a:rPr lang="en-US" dirty="0" err="1"/>
-              <a:t>AtomicCPU</a:t>
-            </a:r>
-            <a:r>
-              <a:rPr lang="en-US" dirty="0"/>
-              <a:t> is the only module in </a:t>
-            </a:r>
-            <a:r>
-              <a:rPr lang="en-US" dirty="0" err="1"/>
-              <a:t>ConfigNVPSim</a:t>
-            </a:r>
-            <a:r>
-              <a:rPr lang="en-US" dirty="0"/>
-              <a:t> system which can consume power. </a:t>
-            </a:r>
-          </a:p>
-          <a:p>
-            <a:r>
-              <a:rPr lang="en-US" dirty="0"/>
-              <a:t>Extension of energy consumption to other modules like DRAM and cache has to be updated in the subsequent release versions of </a:t>
-            </a:r>
-            <a:r>
-              <a:rPr lang="en-US" dirty="0" err="1"/>
-              <a:t>ConfigNVPSim</a:t>
-            </a:r>
-            <a:r>
-              <a:rPr lang="en-US" dirty="0"/>
-              <a:t>. </a:t>
+              <a:rPr lang="en-US" sz="2400" dirty="0"/>
+              <a:t> uses energy port to send consumption messages to Energy Management Unit</a:t>
+            </a:r>
+          </a:p>
+          <a:p>
+            <a:pPr marL="342900" indent="-342900">
+              <a:buFont typeface="Arial" panose="020B0604020202020204" pitchFamily="34" charset="0"/>
+              <a:buChar char="•"/>
+            </a:pPr>
+            <a:endParaRPr lang="en-US" sz="2400" dirty="0"/>
+          </a:p>
+          <a:p>
+            <a:pPr marL="800100" lvl="1" indent="-342900">
+              <a:buFont typeface="Arial" panose="020B0604020202020204" pitchFamily="34" charset="0"/>
+              <a:buChar char="•"/>
+            </a:pPr>
+            <a:r>
+              <a:rPr lang="en-US" sz="2400" dirty="0"/>
+              <a:t>Except energy harvester which sends harvest messages</a:t>
+            </a:r>
+          </a:p>
+          <a:p>
+            <a:pPr marL="800100" lvl="1" indent="-342900">
+              <a:buFont typeface="Arial" panose="020B0604020202020204" pitchFamily="34" charset="0"/>
+              <a:buChar char="•"/>
+            </a:pPr>
+            <a:endParaRPr lang="en-US" sz="2400" dirty="0"/>
+          </a:p>
+          <a:p>
+            <a:pPr marL="342900" indent="-342900">
+              <a:buFont typeface="Arial" panose="020B0604020202020204" pitchFamily="34" charset="0"/>
+              <a:buChar char="•"/>
+            </a:pPr>
+            <a:r>
+              <a:rPr lang="en-US" sz="2400" dirty="0"/>
+              <a:t>These messages informs amount of energy harvested/ consumed</a:t>
+            </a:r>
+          </a:p>
+          <a:p>
+            <a:pPr marL="342900" indent="-342900">
+              <a:buFont typeface="Arial" panose="020B0604020202020204" pitchFamily="34" charset="0"/>
+              <a:buChar char="•"/>
+            </a:pPr>
+            <a:endParaRPr lang="en-US" sz="2400" dirty="0"/>
+          </a:p>
+          <a:p>
+            <a:pPr marL="342900" indent="-342900">
+              <a:buFont typeface="Arial" panose="020B0604020202020204" pitchFamily="34" charset="0"/>
+              <a:buChar char="•"/>
+            </a:pPr>
+            <a:r>
+              <a:rPr lang="en-US" sz="2400" dirty="0"/>
+              <a:t>Energy Manager updates the ‘</a:t>
+            </a:r>
+            <a:r>
+              <a:rPr lang="en-US" sz="2400" dirty="0" err="1"/>
+              <a:t>energy_remaining</a:t>
+            </a:r>
+            <a:r>
+              <a:rPr lang="en-US" sz="2400" dirty="0"/>
+              <a:t>’ value</a:t>
             </a:r>
           </a:p>
         </p:txBody>
@@ -7815,273 +9920,7 @@
     </p:spTree>
     <p:extLst>
       <p:ext uri="{BB962C8B-B14F-4D97-AF65-F5344CB8AC3E}">
-        <p14:creationId xmlns:p14="http://schemas.microsoft.com/office/powerpoint/2010/main" val="1669051757"/>
-      </p:ext>
-    </p:extLst>
-  </p:cSld>
-  <p:clrMapOvr>
-    <a:masterClrMapping/>
-  </p:clrMapOvr>
-  <mc:AlternateContent xmlns:mc="http://schemas.openxmlformats.org/markup-compatibility/2006" xmlns:p159="http://schemas.microsoft.com/office/powerpoint/2015/09/main">
-    <mc:Choice Requires="p159">
-      <p:transition spd="slow">
-        <p159:morph option="byObject"/>
-      </p:transition>
-    </mc:Choice>
-    <mc:Fallback xmlns="">
-      <p:transition spd="slow">
-        <p:fade/>
-      </p:transition>
-    </mc:Fallback>
-  </mc:AlternateContent>
-</p:sld>
-</file>
-
-<file path=ppt/slides/slide8.xml><?xml version="1.0" encoding="utf-8"?>
-<p:sld xmlns:a="http://schemas.openxmlformats.org/drawingml/2006/main" xmlns:r="http://schemas.openxmlformats.org/officeDocument/2006/relationships" xmlns:p="http://schemas.openxmlformats.org/presentationml/2006/main">
-  <p:cSld>
-    <p:spTree>
-      <p:nvGrpSpPr>
-        <p:cNvPr id="1" name=""/>
-        <p:cNvGrpSpPr/>
-        <p:nvPr/>
-      </p:nvGrpSpPr>
-      <p:grpSpPr>
-        <a:xfrm>
-          <a:off x="0" y="0"/>
-          <a:ext cx="0" cy="0"/>
-          <a:chOff x="0" y="0"/>
-          <a:chExt cx="0" cy="0"/>
-        </a:xfrm>
-      </p:grpSpPr>
-      <p:sp>
-        <p:nvSpPr>
-          <p:cNvPr id="2" name="Title 1">
-            <a:extLst>
-              <a:ext uri="{FF2B5EF4-FFF2-40B4-BE49-F238E27FC236}">
-                <a16:creationId xmlns:a16="http://schemas.microsoft.com/office/drawing/2014/main" id="{23F4FF84-2703-42DA-9713-0199601ED452}"/>
-              </a:ext>
-            </a:extLst>
-          </p:cNvPr>
-          <p:cNvSpPr>
-            <a:spLocks noGrp="1"/>
-          </p:cNvSpPr>
-          <p:nvPr>
-            <p:ph type="title"/>
-          </p:nvPr>
-        </p:nvSpPr>
-        <p:spPr/>
-        <p:txBody>
-          <a:bodyPr/>
-          <a:lstStyle/>
-          <a:p>
-            <a:r>
-              <a:rPr lang="en-US" dirty="0"/>
-              <a:t>Atomic CPU</a:t>
-            </a:r>
-          </a:p>
-        </p:txBody>
-      </p:sp>
-      <p:sp>
-        <p:nvSpPr>
-          <p:cNvPr id="3" name="Content Placeholder 2">
-            <a:extLst>
-              <a:ext uri="{FF2B5EF4-FFF2-40B4-BE49-F238E27FC236}">
-                <a16:creationId xmlns:a16="http://schemas.microsoft.com/office/drawing/2014/main" id="{B6F688B5-7A17-4B4B-9935-84A4E9372FF7}"/>
-              </a:ext>
-            </a:extLst>
-          </p:cNvPr>
-          <p:cNvSpPr>
-            <a:spLocks noGrp="1"/>
-          </p:cNvSpPr>
-          <p:nvPr>
-            <p:ph idx="1"/>
-          </p:nvPr>
-        </p:nvSpPr>
-        <p:spPr/>
-        <p:txBody>
-          <a:bodyPr>
-            <a:normAutofit fontScale="92500" lnSpcReduction="10000"/>
-          </a:bodyPr>
-          <a:lstStyle/>
-          <a:p>
-            <a:pPr algn="just"/>
-            <a:r>
-              <a:rPr lang="en-US" dirty="0" err="1"/>
-              <a:t>AtomicCPU</a:t>
-            </a:r>
-            <a:r>
-              <a:rPr lang="en-US" dirty="0"/>
-              <a:t> receives the energy messages from the state machine through the energy port. </a:t>
-            </a:r>
-          </a:p>
-          <a:p>
-            <a:pPr algn="just"/>
-            <a:r>
-              <a:rPr lang="en-US" dirty="0"/>
-              <a:t>GEM5 keeps the CPU running by scheduling and executing ticks at CPU clock periods. CPU ticks can be controlled to stop or to pause the CPU execution. This strategy is adopted in the NVP system to implement non-volatility. </a:t>
-            </a:r>
-          </a:p>
-          <a:p>
-            <a:pPr algn="just"/>
-            <a:r>
-              <a:rPr lang="en-US" dirty="0"/>
-              <a:t>When the </a:t>
-            </a:r>
-            <a:r>
-              <a:rPr lang="en-US" dirty="0" err="1"/>
-              <a:t>AtomicCPU</a:t>
-            </a:r>
-            <a:r>
-              <a:rPr lang="en-US" dirty="0"/>
-              <a:t> receives a state change message to POWER_OFF, the CPU enters the POWER_OFF state by de-scheduling the previously scheduled tick. This ensures that the CPU doesn't run anymore and that it is powered off.</a:t>
-            </a:r>
-          </a:p>
-          <a:p>
-            <a:pPr algn="just"/>
-            <a:r>
-              <a:rPr lang="en-US" dirty="0"/>
-              <a:t>When state machine switches the CPU state to POWER_RET state, the CPU ticks are rescheduled to the subsequent tick period which prevents the CPU execution. The tick rescheduling continues until the next state change. When the POWER_ON state is entered, the rescheduled and turned off tick is restored and CPU starts execution. </a:t>
-            </a:r>
-          </a:p>
-          <a:p>
-            <a:pPr algn="just"/>
-            <a:r>
-              <a:rPr lang="en-US" dirty="0"/>
-              <a:t>When the state change is from POWER_RET to POWER_ON, the system remembers the previous state and tick is restored from the last backed up tick.</a:t>
-            </a:r>
-          </a:p>
-        </p:txBody>
-      </p:sp>
-    </p:spTree>
-    <p:extLst>
-      <p:ext uri="{BB962C8B-B14F-4D97-AF65-F5344CB8AC3E}">
-        <p14:creationId xmlns:p14="http://schemas.microsoft.com/office/powerpoint/2010/main" val="2138466043"/>
-      </p:ext>
-    </p:extLst>
-  </p:cSld>
-  <p:clrMapOvr>
-    <a:masterClrMapping/>
-  </p:clrMapOvr>
-  <mc:AlternateContent xmlns:mc="http://schemas.openxmlformats.org/markup-compatibility/2006" xmlns:p159="http://schemas.microsoft.com/office/powerpoint/2015/09/main">
-    <mc:Choice Requires="p159">
-      <p:transition spd="slow">
-        <p159:morph option="byObject"/>
-      </p:transition>
-    </mc:Choice>
-    <mc:Fallback xmlns="">
-      <p:transition spd="slow">
-        <p:fade/>
-      </p:transition>
-    </mc:Fallback>
-  </mc:AlternateContent>
-</p:sld>
-</file>
-
-<file path=ppt/slides/slide9.xml><?xml version="1.0" encoding="utf-8"?>
-<p:sld xmlns:a="http://schemas.openxmlformats.org/drawingml/2006/main" xmlns:r="http://schemas.openxmlformats.org/officeDocument/2006/relationships" xmlns:p="http://schemas.openxmlformats.org/presentationml/2006/main">
-  <p:cSld>
-    <p:spTree>
-      <p:nvGrpSpPr>
-        <p:cNvPr id="1" name=""/>
-        <p:cNvGrpSpPr/>
-        <p:nvPr/>
-      </p:nvGrpSpPr>
-      <p:grpSpPr>
-        <a:xfrm>
-          <a:off x="0" y="0"/>
-          <a:ext cx="0" cy="0"/>
-          <a:chOff x="0" y="0"/>
-          <a:chExt cx="0" cy="0"/>
-        </a:xfrm>
-      </p:grpSpPr>
-      <p:sp>
-        <p:nvSpPr>
-          <p:cNvPr id="2" name="Title 1">
-            <a:extLst>
-              <a:ext uri="{FF2B5EF4-FFF2-40B4-BE49-F238E27FC236}">
-                <a16:creationId xmlns:a16="http://schemas.microsoft.com/office/drawing/2014/main" id="{340CE5E4-F04C-4220-A15C-F727BFED3986}"/>
-              </a:ext>
-            </a:extLst>
-          </p:cNvPr>
-          <p:cNvSpPr>
-            <a:spLocks noGrp="1"/>
-          </p:cNvSpPr>
-          <p:nvPr>
-            <p:ph type="title"/>
-          </p:nvPr>
-        </p:nvSpPr>
-        <p:spPr/>
-        <p:txBody>
-          <a:bodyPr/>
-          <a:lstStyle/>
-          <a:p>
-            <a:r>
-              <a:rPr lang="en-US" dirty="0"/>
-              <a:t>Experimentation</a:t>
-            </a:r>
-          </a:p>
-        </p:txBody>
-      </p:sp>
-      <p:sp>
-        <p:nvSpPr>
-          <p:cNvPr id="3" name="Content Placeholder 2">
-            <a:extLst>
-              <a:ext uri="{FF2B5EF4-FFF2-40B4-BE49-F238E27FC236}">
-                <a16:creationId xmlns:a16="http://schemas.microsoft.com/office/drawing/2014/main" id="{8F85EE6D-38A2-4AB2-8BCB-5290EEDA426C}"/>
-              </a:ext>
-            </a:extLst>
-          </p:cNvPr>
-          <p:cNvSpPr>
-            <a:spLocks noGrp="1"/>
-          </p:cNvSpPr>
-          <p:nvPr>
-            <p:ph idx="1"/>
-          </p:nvPr>
-        </p:nvSpPr>
-        <p:spPr/>
-        <p:txBody>
-          <a:bodyPr/>
-          <a:lstStyle/>
-          <a:p>
-            <a:pPr algn="just"/>
-            <a:r>
-              <a:rPr lang="en-US" dirty="0" err="1"/>
-              <a:t>ConfigNVPSim's</a:t>
-            </a:r>
-            <a:r>
-              <a:rPr lang="en-US" dirty="0"/>
-              <a:t> performance with an ideal sine input was evaluated in order to examine the state changes. </a:t>
-            </a:r>
-          </a:p>
-          <a:p>
-            <a:pPr algn="just"/>
-            <a:r>
-              <a:rPr lang="en-US" dirty="0"/>
-              <a:t>Two parameters were variable: state change thresholds and energy consumptions in each state. </a:t>
-            </a:r>
-          </a:p>
-          <a:p>
-            <a:pPr algn="just"/>
-            <a:r>
-              <a:rPr lang="en-US" dirty="0"/>
-              <a:t>Four experiments were done: the first one was with threshold settings 1 and consumption settings 1, the second one was threshold settings 2 and consumption settings 1, the third one was threshold settings 1 and consumption settings 2 and the last one was </a:t>
-            </a:r>
-            <a:r>
-              <a:rPr lang="en-US" dirty="0" err="1"/>
-              <a:t>ConfigNVPSim's</a:t>
-            </a:r>
-            <a:r>
-              <a:rPr lang="en-US" dirty="0"/>
-              <a:t> response to real power input that was fed into the base Gem5 implementation. </a:t>
-            </a:r>
-          </a:p>
-        </p:txBody>
-      </p:sp>
-    </p:spTree>
-    <p:extLst>
-      <p:ext uri="{BB962C8B-B14F-4D97-AF65-F5344CB8AC3E}">
-        <p14:creationId xmlns:p14="http://schemas.microsoft.com/office/powerpoint/2010/main" val="60557455"/>
+        <p14:creationId xmlns:p14="http://schemas.microsoft.com/office/powerpoint/2010/main" val="171495499"/>
       </p:ext>
     </p:extLst>
   </p:cSld>
